--- a/Presentation1.pptx
+++ b/Presentation1.pptx
@@ -5,12 +5,22 @@
     <p:sldMasterId id="2147483708" r:id="rId1"/>
   </p:sldMasterIdLst>
   <p:notesMasterIdLst>
-    <p:notesMasterId r:id="rId5"/>
+    <p:notesMasterId r:id="rId15"/>
   </p:notesMasterIdLst>
   <p:sldIdLst>
     <p:sldId id="256" r:id="rId2"/>
-    <p:sldId id="257" r:id="rId3"/>
-    <p:sldId id="258" r:id="rId4"/>
+    <p:sldId id="266" r:id="rId3"/>
+    <p:sldId id="257" r:id="rId4"/>
+    <p:sldId id="258" r:id="rId5"/>
+    <p:sldId id="259" r:id="rId6"/>
+    <p:sldId id="260" r:id="rId7"/>
+    <p:sldId id="262" r:id="rId8"/>
+    <p:sldId id="261" r:id="rId9"/>
+    <p:sldId id="263" r:id="rId10"/>
+    <p:sldId id="264" r:id="rId11"/>
+    <p:sldId id="265" r:id="rId12"/>
+    <p:sldId id="268" r:id="rId13"/>
+    <p:sldId id="267" r:id="rId14"/>
   </p:sldIdLst>
   <p:sldSz cx="9144000" cy="6858000" type="screen4x3"/>
   <p:notesSz cx="6858000" cy="9144000"/>
@@ -194,7 +204,7 @@
           <a:p>
             <a:fld id="{A34D12DF-56A4-4FC1-9153-50F5540638B9}" type="datetimeFigureOut">
               <a:rPr lang="en-US" smtClean="0"/>
-              <a:t>11/15/2017</a:t>
+              <a:t>11/16/2017</a:t>
             </a:fld>
             <a:endParaRPr lang="en-US"/>
           </a:p>
@@ -527,7 +537,7 @@
           <a:p>
             <a:fld id="{9EAEE30A-BE1B-4E3C-ACD3-467F706F4010}" type="slidenum">
               <a:rPr lang="en-US" smtClean="0"/>
-              <a:t>2</a:t>
+              <a:t>3</a:t>
             </a:fld>
             <a:endParaRPr lang="en-US"/>
           </a:p>
@@ -683,7 +693,7 @@
           <a:p>
             <a:fld id="{2DD750E1-5167-4FAD-B17A-280699E0A78E}" type="datetimeFigureOut">
               <a:rPr lang="en-US" smtClean="0"/>
-              <a:t>11/15/2017</a:t>
+              <a:t>11/16/2017</a:t>
             </a:fld>
             <a:endParaRPr lang="en-US"/>
           </a:p>
@@ -1552,7 +1562,7 @@
           <a:p>
             <a:fld id="{2DD750E1-5167-4FAD-B17A-280699E0A78E}" type="datetimeFigureOut">
               <a:rPr lang="en-US" smtClean="0"/>
-              <a:t>11/15/2017</a:t>
+              <a:t>11/16/2017</a:t>
             </a:fld>
             <a:endParaRPr lang="en-US"/>
           </a:p>
@@ -1727,7 +1737,7 @@
           <a:p>
             <a:fld id="{2DD750E1-5167-4FAD-B17A-280699E0A78E}" type="datetimeFigureOut">
               <a:rPr lang="en-US" smtClean="0"/>
-              <a:t>11/15/2017</a:t>
+              <a:t>11/16/2017</a:t>
             </a:fld>
             <a:endParaRPr lang="en-US"/>
           </a:p>
@@ -1897,7 +1907,7 @@
           <a:p>
             <a:fld id="{2DD750E1-5167-4FAD-B17A-280699E0A78E}" type="datetimeFigureOut">
               <a:rPr lang="en-US" smtClean="0"/>
-              <a:t>11/15/2017</a:t>
+              <a:t>11/16/2017</a:t>
             </a:fld>
             <a:endParaRPr lang="en-US"/>
           </a:p>
@@ -2107,7 +2117,7 @@
           <a:p>
             <a:fld id="{2DD750E1-5167-4FAD-B17A-280699E0A78E}" type="datetimeFigureOut">
               <a:rPr lang="en-US" smtClean="0"/>
-              <a:t>11/15/2017</a:t>
+              <a:t>11/16/2017</a:t>
             </a:fld>
             <a:endParaRPr lang="en-US"/>
           </a:p>
@@ -2921,7 +2931,7 @@
           <a:p>
             <a:fld id="{2DD750E1-5167-4FAD-B17A-280699E0A78E}" type="datetimeFigureOut">
               <a:rPr lang="en-US" smtClean="0"/>
-              <a:t>11/15/2017</a:t>
+              <a:t>11/16/2017</a:t>
             </a:fld>
             <a:endParaRPr lang="en-US"/>
           </a:p>
@@ -3157,7 +3167,7 @@
           <a:p>
             <a:fld id="{2DD750E1-5167-4FAD-B17A-280699E0A78E}" type="datetimeFigureOut">
               <a:rPr lang="en-US" smtClean="0"/>
-              <a:t>11/15/2017</a:t>
+              <a:t>11/16/2017</a:t>
             </a:fld>
             <a:endParaRPr lang="en-US"/>
           </a:p>
@@ -3480,7 +3490,7 @@
           <a:p>
             <a:fld id="{2DD750E1-5167-4FAD-B17A-280699E0A78E}" type="datetimeFigureOut">
               <a:rPr lang="en-US" smtClean="0"/>
-              <a:t>11/15/2017</a:t>
+              <a:t>11/16/2017</a:t>
             </a:fld>
             <a:endParaRPr lang="en-US"/>
           </a:p>
@@ -3570,7 +3580,7 @@
           <a:p>
             <a:fld id="{2DD750E1-5167-4FAD-B17A-280699E0A78E}" type="datetimeFigureOut">
               <a:rPr lang="en-US" smtClean="0"/>
-              <a:t>11/15/2017</a:t>
+              <a:t>11/16/2017</a:t>
             </a:fld>
             <a:endParaRPr lang="en-US"/>
           </a:p>
@@ -4087,7 +4097,7 @@
           <a:p>
             <a:fld id="{2DD750E1-5167-4FAD-B17A-280699E0A78E}" type="datetimeFigureOut">
               <a:rPr lang="en-US" smtClean="0"/>
-              <a:t>11/15/2017</a:t>
+              <a:t>11/16/2017</a:t>
             </a:fld>
             <a:endParaRPr lang="en-US"/>
           </a:p>
@@ -4598,7 +4608,7 @@
           <a:p>
             <a:fld id="{2DD750E1-5167-4FAD-B17A-280699E0A78E}" type="datetimeFigureOut">
               <a:rPr lang="en-US" smtClean="0"/>
-              <a:t>11/15/2017</a:t>
+              <a:t>11/16/2017</a:t>
             </a:fld>
             <a:endParaRPr lang="en-US"/>
           </a:p>
@@ -4843,7 +4853,7 @@
           <a:p>
             <a:fld id="{2DD750E1-5167-4FAD-B17A-280699E0A78E}" type="datetimeFigureOut">
               <a:rPr lang="en-US" smtClean="0"/>
-              <a:t>11/15/2017</a:t>
+              <a:t>11/16/2017</a:t>
             </a:fld>
             <a:endParaRPr lang="en-US"/>
           </a:p>
@@ -5458,11 +5468,22 @@
             <p:ph type="ctrTitle"/>
           </p:nvPr>
         </p:nvSpPr>
-        <p:spPr/>
-        <p:txBody>
-          <a:bodyPr/>
-          <a:lstStyle/>
-          <a:p>
+        <p:spPr>
+          <a:xfrm>
+            <a:off x="2267744" y="1772816"/>
+            <a:ext cx="6172200" cy="1894362"/>
+          </a:xfrm>
+        </p:spPr>
+        <p:txBody>
+          <a:bodyPr>
+            <a:normAutofit fontScale="90000"/>
+          </a:bodyPr>
+          <a:lstStyle/>
+          <a:p>
+            <a:r>
+              <a:rPr lang="en-US" dirty="0" smtClean="0"/>
+              <a:t>Pulse shaping filters applied to SC-FDMA systems considering the PAPR and BER.</a:t>
+            </a:r>
             <a:endParaRPr lang="en-US" dirty="0"/>
           </a:p>
         </p:txBody>
@@ -5477,15 +5498,79 @@
             <p:ph type="subTitle" idx="1"/>
           </p:nvPr>
         </p:nvSpPr>
-        <p:spPr/>
+        <p:spPr>
+          <a:xfrm>
+            <a:off x="2339752" y="5085184"/>
+            <a:ext cx="6172200" cy="1371600"/>
+          </a:xfrm>
+        </p:spPr>
         <p:txBody>
           <a:bodyPr/>
           <a:lstStyle/>
           <a:p>
-            <a:endParaRPr lang="en-US"/>
-          </a:p>
-        </p:txBody>
-      </p:sp>
+            <a:pPr algn="r"/>
+            <a:r>
+              <a:rPr lang="en-US" dirty="0" smtClean="0"/>
+              <a:t>Jaime </a:t>
+            </a:r>
+            <a:r>
+              <a:rPr lang="en-US" dirty="0" err="1" smtClean="0"/>
+              <a:t>Aranda</a:t>
+            </a:r>
+            <a:endParaRPr lang="en-US" dirty="0" smtClean="0"/>
+          </a:p>
+          <a:p>
+            <a:pPr algn="r"/>
+            <a:r>
+              <a:rPr lang="en-US" dirty="0" smtClean="0"/>
+              <a:t>16 </a:t>
+            </a:r>
+            <a:r>
+              <a:rPr lang="en-US" dirty="0" err="1" smtClean="0"/>
+              <a:t>Noviembre</a:t>
+            </a:r>
+            <a:r>
+              <a:rPr lang="en-US" dirty="0"/>
+              <a:t> </a:t>
+            </a:r>
+            <a:r>
+              <a:rPr lang="en-US" dirty="0" smtClean="0"/>
+              <a:t>2017</a:t>
+            </a:r>
+            <a:endParaRPr lang="en-US" dirty="0"/>
+          </a:p>
+        </p:txBody>
+      </p:sp>
+      <p:pic>
+        <p:nvPicPr>
+          <p:cNvPr id="7" name="Picture 6"/>
+          <p:cNvPicPr>
+            <a:picLocks noChangeAspect="1"/>
+          </p:cNvPicPr>
+          <p:nvPr/>
+        </p:nvPicPr>
+        <p:blipFill>
+          <a:blip r:embed="rId2" cstate="print">
+            <a:extLst>
+              <a:ext uri="{28A0092B-C50C-407E-A947-70E740481C1C}">
+                <a14:useLocalDpi xmlns:a14="http://schemas.microsoft.com/office/drawing/2010/main" val="0"/>
+              </a:ext>
+            </a:extLst>
+          </a:blip>
+          <a:stretch>
+            <a:fillRect/>
+          </a:stretch>
+        </p:blipFill>
+        <p:spPr>
+          <a:xfrm>
+            <a:off x="6032848" y="116632"/>
+            <a:ext cx="3105685" cy="1176396"/>
+          </a:xfrm>
+          <a:prstGeom prst="rect">
+            <a:avLst/>
+          </a:prstGeom>
+        </p:spPr>
+      </p:pic>
     </p:spTree>
     <p:extLst>
       <p:ext uri="{BB962C8B-B14F-4D97-AF65-F5344CB8AC3E}">
@@ -5506,7 +5591,7 @@
 </p:sld>
 </file>
 
-<file path=ppt/slides/slide2.xml><?xml version="1.0" encoding="utf-8"?>
+<file path=ppt/slides/slide10.xml><?xml version="1.0" encoding="utf-8"?>
 <p:sld xmlns:a="http://schemas.openxmlformats.org/drawingml/2006/main" xmlns:r="http://schemas.openxmlformats.org/officeDocument/2006/relationships" xmlns:p="http://schemas.openxmlformats.org/presentationml/2006/main">
   <p:cSld>
     <p:spTree>
@@ -5539,8 +5624,12 @@
           <a:lstStyle/>
           <a:p>
             <a:r>
-              <a:rPr lang="es-CL" dirty="0" err="1" smtClean="0"/>
-              <a:t>Introduction</a:t>
+              <a:rPr lang="en-US" dirty="0"/>
+              <a:t>GA applied to </a:t>
+            </a:r>
+            <a:r>
+              <a:rPr lang="en-US" dirty="0" smtClean="0"/>
+              <a:t>PS (2)</a:t>
             </a:r>
             <a:endParaRPr lang="en-US" dirty="0"/>
           </a:p>
@@ -5562,376 +5651,65 @@
           <a:lstStyle/>
           <a:p>
             <a:r>
-              <a:rPr lang="es-CL" dirty="0" smtClean="0"/>
-              <a:t>In [1] a </a:t>
-            </a:r>
-            <a:r>
-              <a:rPr lang="es-CL" dirty="0" err="1" smtClean="0"/>
-              <a:t>hybrid</a:t>
-            </a:r>
-            <a:r>
-              <a:rPr lang="es-CL" dirty="0" smtClean="0"/>
-              <a:t> </a:t>
-            </a:r>
-            <a:r>
-              <a:rPr lang="es-CL" dirty="0" err="1" smtClean="0"/>
-              <a:t>filter</a:t>
-            </a:r>
-            <a:r>
-              <a:rPr lang="es-CL" dirty="0" smtClean="0"/>
-              <a:t> </a:t>
-            </a:r>
-            <a:r>
-              <a:rPr lang="es-CL" dirty="0" err="1" smtClean="0"/>
-              <a:t>to</a:t>
-            </a:r>
-            <a:r>
-              <a:rPr lang="es-CL" dirty="0" smtClean="0"/>
-              <a:t> reduce </a:t>
-            </a:r>
-            <a:r>
-              <a:rPr lang="es-CL" dirty="0" err="1" smtClean="0"/>
-              <a:t>the</a:t>
-            </a:r>
-            <a:r>
-              <a:rPr lang="es-CL" dirty="0" smtClean="0"/>
-              <a:t> PAPR </a:t>
-            </a:r>
-            <a:r>
-              <a:rPr lang="es-CL" dirty="0" err="1" smtClean="0"/>
-              <a:t>on</a:t>
-            </a:r>
-            <a:r>
-              <a:rPr lang="es-CL" dirty="0" smtClean="0"/>
-              <a:t> </a:t>
-            </a:r>
-            <a:r>
-              <a:rPr lang="es-CL" dirty="0" err="1" smtClean="0"/>
-              <a:t>the</a:t>
-            </a:r>
-            <a:r>
-              <a:rPr lang="es-CL" dirty="0" smtClean="0"/>
-              <a:t> </a:t>
-            </a:r>
-            <a:r>
-              <a:rPr lang="es-CL" dirty="0" err="1" smtClean="0"/>
-              <a:t>Tx</a:t>
-            </a:r>
-            <a:r>
-              <a:rPr lang="es-CL" dirty="0" smtClean="0"/>
-              <a:t> </a:t>
-            </a:r>
-            <a:r>
-              <a:rPr lang="es-CL" dirty="0" err="1" smtClean="0"/>
-              <a:t>side</a:t>
-            </a:r>
-            <a:r>
-              <a:rPr lang="es-CL" dirty="0" smtClean="0"/>
-              <a:t> </a:t>
-            </a:r>
-            <a:r>
-              <a:rPr lang="es-CL" dirty="0" err="1" smtClean="0"/>
-              <a:t>was</a:t>
-            </a:r>
-            <a:r>
-              <a:rPr lang="es-CL" dirty="0" smtClean="0"/>
-              <a:t> </a:t>
-            </a:r>
-            <a:r>
-              <a:rPr lang="es-CL" dirty="0" err="1" smtClean="0"/>
-              <a:t>proposed</a:t>
-            </a:r>
-            <a:r>
-              <a:rPr lang="es-CL" dirty="0" smtClean="0"/>
-              <a:t>.</a:t>
-            </a:r>
-          </a:p>
-          <a:p>
-            <a:pPr marL="0" indent="0">
-              <a:buNone/>
-            </a:pPr>
-            <a:endParaRPr lang="es-CL" dirty="0" smtClean="0"/>
-          </a:p>
-          <a:p>
-            <a:r>
-              <a:rPr lang="es-CL" dirty="0" err="1" smtClean="0"/>
-              <a:t>The</a:t>
-            </a:r>
-            <a:r>
-              <a:rPr lang="es-CL" dirty="0" smtClean="0"/>
-              <a:t> </a:t>
-            </a:r>
-            <a:r>
-              <a:rPr lang="es-CL" dirty="0" err="1" smtClean="0"/>
-              <a:t>design</a:t>
-            </a:r>
-            <a:r>
-              <a:rPr lang="es-CL" dirty="0" smtClean="0"/>
-              <a:t> of </a:t>
-            </a:r>
-            <a:r>
-              <a:rPr lang="es-CL" dirty="0" err="1" smtClean="0"/>
-              <a:t>the</a:t>
-            </a:r>
-            <a:r>
-              <a:rPr lang="es-CL" dirty="0" smtClean="0"/>
-              <a:t> </a:t>
-            </a:r>
-            <a:r>
-              <a:rPr lang="es-CL" dirty="0" err="1" smtClean="0"/>
-              <a:t>filter</a:t>
-            </a:r>
-            <a:r>
-              <a:rPr lang="es-CL" dirty="0" smtClean="0"/>
-              <a:t> </a:t>
-            </a:r>
-            <a:r>
-              <a:rPr lang="es-CL" dirty="0" err="1" smtClean="0"/>
-              <a:t>is</a:t>
-            </a:r>
-            <a:r>
-              <a:rPr lang="es-CL" dirty="0" smtClean="0"/>
-              <a:t> </a:t>
-            </a:r>
-            <a:r>
-              <a:rPr lang="es-CL" dirty="0" err="1" smtClean="0"/>
-              <a:t>based</a:t>
-            </a:r>
-            <a:r>
-              <a:rPr lang="es-CL" dirty="0" smtClean="0"/>
-              <a:t> in 2 </a:t>
-            </a:r>
-            <a:r>
-              <a:rPr lang="es-CL" dirty="0" err="1" smtClean="0"/>
-              <a:t>key</a:t>
-            </a:r>
-            <a:r>
-              <a:rPr lang="es-CL" dirty="0" smtClean="0"/>
-              <a:t> </a:t>
-            </a:r>
-            <a:r>
-              <a:rPr lang="es-CL" dirty="0" err="1" smtClean="0"/>
-              <a:t>components</a:t>
-            </a:r>
-            <a:r>
-              <a:rPr lang="es-CL" dirty="0" smtClean="0"/>
-              <a:t>: FIR </a:t>
-            </a:r>
-            <a:r>
-              <a:rPr lang="es-CL" dirty="0" err="1" smtClean="0"/>
-              <a:t>filter</a:t>
-            </a:r>
-            <a:r>
-              <a:rPr lang="es-CL" dirty="0" smtClean="0"/>
-              <a:t> + Nyquist-I pulse.</a:t>
-            </a:r>
-          </a:p>
-          <a:p>
-            <a:pPr marL="0" indent="0">
-              <a:buNone/>
-            </a:pPr>
-            <a:endParaRPr lang="es-CL" dirty="0" smtClean="0"/>
-          </a:p>
-          <a:p>
-            <a:r>
-              <a:rPr lang="es-CL" dirty="0" err="1" smtClean="0"/>
-              <a:t>An</a:t>
-            </a:r>
-            <a:r>
-              <a:rPr lang="es-CL" dirty="0" smtClean="0"/>
-              <a:t> </a:t>
-            </a:r>
-            <a:r>
-              <a:rPr lang="es-CL" dirty="0" err="1" smtClean="0"/>
-              <a:t>envelope</a:t>
-            </a:r>
-            <a:r>
-              <a:rPr lang="es-CL" dirty="0" smtClean="0"/>
-              <a:t> </a:t>
-            </a:r>
-            <a:r>
-              <a:rPr lang="es-CL" dirty="0" err="1" smtClean="0"/>
-              <a:t>constrain</a:t>
-            </a:r>
-            <a:r>
-              <a:rPr lang="es-CL" dirty="0" smtClean="0"/>
-              <a:t> (EC) </a:t>
-            </a:r>
-            <a:r>
-              <a:rPr lang="es-CL" dirty="0" err="1" smtClean="0"/>
-              <a:t>is</a:t>
-            </a:r>
-            <a:r>
-              <a:rPr lang="es-CL" dirty="0"/>
-              <a:t> </a:t>
-            </a:r>
-            <a:r>
-              <a:rPr lang="es-CL" dirty="0" err="1" smtClean="0"/>
-              <a:t>used</a:t>
-            </a:r>
-            <a:r>
-              <a:rPr lang="es-CL" dirty="0" smtClean="0"/>
-              <a:t> </a:t>
-            </a:r>
-            <a:r>
-              <a:rPr lang="es-CL" dirty="0" err="1" smtClean="0"/>
-              <a:t>to</a:t>
-            </a:r>
-            <a:r>
-              <a:rPr lang="es-CL" dirty="0" smtClean="0"/>
-              <a:t> </a:t>
-            </a:r>
-            <a:r>
-              <a:rPr lang="es-CL" dirty="0" err="1" smtClean="0"/>
-              <a:t>optimize</a:t>
-            </a:r>
-            <a:r>
-              <a:rPr lang="es-CL" dirty="0" smtClean="0"/>
-              <a:t> </a:t>
-            </a:r>
-            <a:r>
-              <a:rPr lang="es-CL" dirty="0" err="1" smtClean="0"/>
-              <a:t>the</a:t>
-            </a:r>
-            <a:r>
-              <a:rPr lang="es-CL" dirty="0" smtClean="0"/>
-              <a:t> impulse response of </a:t>
-            </a:r>
-            <a:r>
-              <a:rPr lang="es-CL" dirty="0" err="1" smtClean="0"/>
-              <a:t>the</a:t>
-            </a:r>
-            <a:r>
-              <a:rPr lang="es-CL" dirty="0" smtClean="0"/>
-              <a:t> </a:t>
-            </a:r>
-            <a:r>
-              <a:rPr lang="es-CL" dirty="0" err="1" smtClean="0"/>
-              <a:t>filter</a:t>
-            </a:r>
-            <a:r>
-              <a:rPr lang="es-CL" dirty="0" smtClean="0"/>
-              <a:t> in </a:t>
-            </a:r>
-            <a:r>
-              <a:rPr lang="es-CL" dirty="0" err="1" smtClean="0"/>
-              <a:t>terms</a:t>
-            </a:r>
-            <a:r>
-              <a:rPr lang="es-CL" dirty="0" smtClean="0"/>
-              <a:t> of </a:t>
-            </a:r>
-            <a:r>
-              <a:rPr lang="es-CL" b="1" dirty="0" smtClean="0"/>
-              <a:t>PAPR.</a:t>
-            </a:r>
-          </a:p>
-          <a:p>
-            <a:pPr marL="365760" lvl="1" indent="0">
-              <a:buNone/>
-            </a:pPr>
-            <a:endParaRPr lang="en-US" b="1" dirty="0"/>
-          </a:p>
-        </p:txBody>
-      </p:sp>
-      <p:sp>
-        <p:nvSpPr>
-          <p:cNvPr id="4" name="TextBox 3"/>
-          <p:cNvSpPr txBox="1"/>
-          <p:nvPr/>
-        </p:nvSpPr>
-        <p:spPr>
-          <a:xfrm>
-            <a:off x="160784" y="6029083"/>
-            <a:ext cx="8275984" cy="646331"/>
-          </a:xfrm>
-          <a:prstGeom prst="rect">
-            <a:avLst/>
-          </a:prstGeom>
-          <a:noFill/>
-        </p:spPr>
-        <p:txBody>
-          <a:bodyPr wrap="square" rtlCol="0">
-            <a:spAutoFit/>
-          </a:bodyPr>
-          <a:lstStyle/>
-          <a:p>
-            <a:r>
-              <a:rPr lang="es-CL" dirty="0" smtClean="0"/>
-              <a:t>[1] </a:t>
-            </a:r>
-            <a:r>
-              <a:rPr lang="es-CL" dirty="0" err="1" smtClean="0"/>
-              <a:t>Kamal</a:t>
-            </a:r>
-            <a:r>
-              <a:rPr lang="es-CL" dirty="0" smtClean="0"/>
-              <a:t>, S., Meza, C. A. A., </a:t>
-            </a:r>
-            <a:r>
-              <a:rPr lang="es-CL" dirty="0" err="1" smtClean="0"/>
-              <a:t>Tran</a:t>
-            </a:r>
-            <a:r>
-              <a:rPr lang="es-CL" dirty="0" smtClean="0"/>
-              <a:t>, N. H., &amp; Lee, K. (2017). </a:t>
-            </a:r>
-            <a:r>
-              <a:rPr lang="es-CL" dirty="0" err="1" smtClean="0"/>
-              <a:t>Low</a:t>
-            </a:r>
-            <a:r>
-              <a:rPr lang="es-CL" dirty="0" smtClean="0"/>
-              <a:t>-PAPR </a:t>
-            </a:r>
-            <a:r>
-              <a:rPr lang="es-CL" dirty="0" err="1" smtClean="0"/>
-              <a:t>Hybrid</a:t>
-            </a:r>
-            <a:r>
-              <a:rPr lang="es-CL" dirty="0" smtClean="0"/>
-              <a:t> </a:t>
-            </a:r>
-            <a:r>
-              <a:rPr lang="es-CL" dirty="0" err="1" smtClean="0"/>
-              <a:t>Filter</a:t>
-            </a:r>
-            <a:r>
-              <a:rPr lang="es-CL" dirty="0" smtClean="0"/>
-              <a:t> </a:t>
-            </a:r>
-            <a:r>
-              <a:rPr lang="es-CL" dirty="0" err="1" smtClean="0"/>
-              <a:t>for</a:t>
-            </a:r>
-            <a:r>
-              <a:rPr lang="es-CL" dirty="0" smtClean="0"/>
-              <a:t> SC-FDMA. IEEE </a:t>
-            </a:r>
-            <a:r>
-              <a:rPr lang="es-CL" dirty="0" err="1" smtClean="0"/>
-              <a:t>Communications</a:t>
-            </a:r>
-            <a:r>
-              <a:rPr lang="es-CL" dirty="0" smtClean="0"/>
-              <a:t> </a:t>
-            </a:r>
-            <a:r>
-              <a:rPr lang="es-CL" dirty="0" err="1" smtClean="0"/>
-              <a:t>Letters</a:t>
-            </a:r>
-            <a:r>
-              <a:rPr lang="es-CL" dirty="0" smtClean="0"/>
-              <a:t>, 21(4), 905-908.</a:t>
-            </a:r>
-            <a:endParaRPr lang="en-US" dirty="0"/>
+              <a:rPr lang="en-US" dirty="0" smtClean="0"/>
+              <a:t>How to encode Shaping filters to GA ?</a:t>
+            </a:r>
+          </a:p>
+          <a:p>
+            <a:pPr lvl="1"/>
+            <a:r>
+              <a:rPr lang="en-US" dirty="0" smtClean="0"/>
+              <a:t>Represent the filter with n-tap FIR filter</a:t>
+            </a:r>
+          </a:p>
+          <a:p>
+            <a:pPr lvl="1"/>
+            <a:r>
+              <a:rPr lang="en-US" dirty="0" smtClean="0"/>
+              <a:t>If n=16, we encode every tap with a sequence of bits.</a:t>
+            </a:r>
+          </a:p>
+          <a:p>
+            <a:pPr lvl="1"/>
+            <a:r>
+              <a:rPr lang="en-US" dirty="0" smtClean="0"/>
+              <a:t>If we decide to use 4 bits, and we decide to limit the maximum and minimum amplitude of pulse to {-1,1}</a:t>
+            </a:r>
+          </a:p>
+          <a:p>
+            <a:pPr lvl="1"/>
+            <a:r>
+              <a:rPr lang="en-US" dirty="0" smtClean="0"/>
+              <a:t>The y-axis step of the filter would be 0.125 </a:t>
+            </a:r>
+          </a:p>
+          <a:p>
+            <a:pPr lvl="1"/>
+            <a:r>
+              <a:rPr lang="en-US" dirty="0" smtClean="0"/>
+              <a:t>If we use 6 bits, the step would be 0.03125.</a:t>
+            </a:r>
+          </a:p>
+          <a:p>
+            <a:pPr lvl="1"/>
+            <a:r>
+              <a:rPr lang="en-US" dirty="0" smtClean="0"/>
+              <a:t>After the algorithm proposed a solution, the pulse will look like step function.</a:t>
+            </a:r>
+          </a:p>
+          <a:p>
+            <a:pPr lvl="1"/>
+            <a:r>
+              <a:rPr lang="en-US" dirty="0" smtClean="0"/>
+              <a:t>We need to applied low-pass filter.</a:t>
+            </a:r>
           </a:p>
         </p:txBody>
       </p:sp>
     </p:spTree>
     <p:extLst>
       <p:ext uri="{BB962C8B-B14F-4D97-AF65-F5344CB8AC3E}">
-        <p14:creationId xmlns:p14="http://schemas.microsoft.com/office/powerpoint/2010/main" val="2642362492"/>
+        <p14:creationId xmlns:p14="http://schemas.microsoft.com/office/powerpoint/2010/main" val="4209495919"/>
       </p:ext>
     </p:extLst>
   </p:cSld>
@@ -5948,7 +5726,7 @@
 </p:sld>
 </file>
 
-<file path=ppt/slides/slide3.xml><?xml version="1.0" encoding="utf-8"?>
+<file path=ppt/slides/slide11.xml><?xml version="1.0" encoding="utf-8"?>
 <p:sld xmlns:a="http://schemas.openxmlformats.org/drawingml/2006/main" xmlns:r="http://schemas.openxmlformats.org/officeDocument/2006/relationships" xmlns:p="http://schemas.openxmlformats.org/presentationml/2006/main">
   <p:cSld>
     <p:spTree>
@@ -5981,18 +5759,9 @@
           <a:lstStyle/>
           <a:p>
             <a:r>
-              <a:rPr lang="es-CL" dirty="0" err="1" smtClean="0"/>
-              <a:t>System</a:t>
-            </a:r>
-            <a:r>
-              <a:rPr lang="es-CL" dirty="0" smtClean="0"/>
-              <a:t> </a:t>
-            </a:r>
-            <a:r>
-              <a:rPr lang="es-CL" dirty="0" err="1" smtClean="0"/>
-              <a:t>Model</a:t>
-            </a:r>
-            <a:endParaRPr lang="en-US" dirty="0"/>
+              <a:rPr lang="en-US" dirty="0"/>
+              <a:t>GA applied to PS (2)</a:t>
+            </a:r>
           </a:p>
         </p:txBody>
       </p:sp>
@@ -6006,20 +5775,88 @@
             <p:ph sz="quarter" idx="1"/>
           </p:nvPr>
         </p:nvSpPr>
-        <p:spPr>
-          <a:noFill/>
-        </p:spPr>
+        <p:spPr/>
         <p:txBody>
           <a:bodyPr/>
           <a:lstStyle/>
           <a:p>
+            <a:r>
+              <a:rPr lang="en-US" dirty="0" smtClean="0"/>
+              <a:t>Advantages:</a:t>
+            </a:r>
+          </a:p>
+          <a:p>
+            <a:pPr lvl="1"/>
+            <a:r>
+              <a:rPr lang="en-US" dirty="0" smtClean="0"/>
+              <a:t>We can use any fitness functions and mix of it. We can solve a multidimensional problem considering </a:t>
+            </a:r>
+            <a:r>
+              <a:rPr lang="en-US" b="1" dirty="0" smtClean="0"/>
+              <a:t>PAPR</a:t>
+            </a:r>
+            <a:r>
+              <a:rPr lang="en-US" dirty="0" smtClean="0"/>
+              <a:t> in the </a:t>
+            </a:r>
+            <a:r>
+              <a:rPr lang="en-US" dirty="0" err="1" smtClean="0"/>
+              <a:t>Tx</a:t>
+            </a:r>
+            <a:r>
+              <a:rPr lang="en-US" dirty="0" smtClean="0"/>
+              <a:t> and </a:t>
+            </a:r>
+            <a:r>
+              <a:rPr lang="en-US" b="1" dirty="0" smtClean="0"/>
+              <a:t>BER</a:t>
+            </a:r>
+            <a:r>
+              <a:rPr lang="en-US" dirty="0" smtClean="0"/>
+              <a:t> in the Rx. Also we can include the </a:t>
+            </a:r>
+            <a:r>
+              <a:rPr lang="en-US" b="1" dirty="0" smtClean="0"/>
+              <a:t>bandwidth</a:t>
+            </a:r>
+            <a:r>
+              <a:rPr lang="en-US" dirty="0" smtClean="0"/>
+              <a:t> used for the pulse.</a:t>
+            </a:r>
+          </a:p>
+          <a:p>
+            <a:r>
+              <a:rPr lang="en-US" dirty="0" smtClean="0"/>
+              <a:t>Drawbacks:</a:t>
+            </a:r>
+          </a:p>
+          <a:p>
+            <a:pPr lvl="1"/>
+            <a:r>
+              <a:rPr lang="en-US" dirty="0" smtClean="0"/>
+              <a:t>No mathematical expression for the optimized pulse.</a:t>
+            </a:r>
+          </a:p>
+          <a:p>
+            <a:pPr lvl="1"/>
+            <a:r>
+              <a:rPr lang="en-US" dirty="0" smtClean="0"/>
+              <a:t>Can stop in local minima.</a:t>
+            </a:r>
+          </a:p>
+          <a:p>
+            <a:pPr lvl="1"/>
+            <a:r>
+              <a:rPr lang="en-US" dirty="0" smtClean="0"/>
+              <a:t>No mathematical formalism ??	</a:t>
+            </a:r>
             <a:endParaRPr lang="en-US" dirty="0"/>
           </a:p>
         </p:txBody>
       </p:sp>
       <p:pic>
         <p:nvPicPr>
-          <p:cNvPr id="1026" name="Picture 2"/>
+          <p:cNvPr id="2050" name="Picture 2"/>
           <p:cNvPicPr>
             <a:picLocks noChangeAspect="1" noChangeArrowheads="1"/>
           </p:cNvPicPr>
@@ -6040,8 +5877,8 @@
         </p:blipFill>
         <p:spPr bwMode="auto">
           <a:xfrm>
-            <a:off x="344196" y="1556792"/>
-            <a:ext cx="7811579" cy="3771685"/>
+            <a:off x="5076056" y="4365104"/>
+            <a:ext cx="2711255" cy="2183838"/>
           </a:xfrm>
           <a:prstGeom prst="rect">
             <a:avLst/>
@@ -6081,16 +5918,1456 @@
           </a:extLst>
         </p:spPr>
       </p:pic>
+    </p:spTree>
+    <p:extLst>
+      <p:ext uri="{BB962C8B-B14F-4D97-AF65-F5344CB8AC3E}">
+        <p14:creationId xmlns:p14="http://schemas.microsoft.com/office/powerpoint/2010/main" val="2668577380"/>
+      </p:ext>
+    </p:extLst>
+  </p:cSld>
+  <p:clrMapOvr>
+    <a:masterClrMapping/>
+  </p:clrMapOvr>
+  <p:timing>
+    <p:tnLst>
+      <p:par>
+        <p:cTn id="1" dur="indefinite" restart="never" nodeType="tmRoot"/>
+      </p:par>
+    </p:tnLst>
+  </p:timing>
+</p:sld>
+</file>
+
+<file path=ppt/slides/slide12.xml><?xml version="1.0" encoding="utf-8"?>
+<p:sld xmlns:a="http://schemas.openxmlformats.org/drawingml/2006/main" xmlns:r="http://schemas.openxmlformats.org/officeDocument/2006/relationships" xmlns:p="http://schemas.openxmlformats.org/presentationml/2006/main">
+  <p:cSld>
+    <p:spTree>
+      <p:nvGrpSpPr>
+        <p:cNvPr id="1" name=""/>
+        <p:cNvGrpSpPr/>
+        <p:nvPr/>
+      </p:nvGrpSpPr>
+      <p:grpSpPr>
+        <a:xfrm>
+          <a:off x="0" y="0"/>
+          <a:ext cx="0" cy="0"/>
+          <a:chOff x="0" y="0"/>
+          <a:chExt cx="0" cy="0"/>
+        </a:xfrm>
+      </p:grpSpPr>
+      <p:sp>
+        <p:nvSpPr>
+          <p:cNvPr id="2" name="Title 1"/>
+          <p:cNvSpPr>
+            <a:spLocks noGrp="1"/>
+          </p:cNvSpPr>
+          <p:nvPr>
+            <p:ph type="title"/>
+          </p:nvPr>
+        </p:nvSpPr>
+        <p:spPr/>
+        <p:txBody>
+          <a:bodyPr/>
+          <a:lstStyle/>
+          <a:p>
+            <a:r>
+              <a:rPr lang="en-US" dirty="0" err="1" smtClean="0"/>
+              <a:t>Carta</a:t>
+            </a:r>
+            <a:r>
+              <a:rPr lang="en-US" dirty="0" smtClean="0"/>
+              <a:t> Gantt</a:t>
+            </a:r>
+            <a:endParaRPr lang="en-US" dirty="0"/>
+          </a:p>
+        </p:txBody>
+      </p:sp>
+      <p:sp>
+        <p:nvSpPr>
+          <p:cNvPr id="3" name="Content Placeholder 2"/>
+          <p:cNvSpPr>
+            <a:spLocks noGrp="1"/>
+          </p:cNvSpPr>
+          <p:nvPr>
+            <p:ph sz="quarter" idx="1"/>
+          </p:nvPr>
+        </p:nvSpPr>
+        <p:spPr/>
+        <p:txBody>
+          <a:bodyPr/>
+          <a:lstStyle/>
+          <a:p>
+            <a:endParaRPr lang="en-US" dirty="0"/>
+          </a:p>
+        </p:txBody>
+      </p:sp>
+    </p:spTree>
+    <p:extLst>
+      <p:ext uri="{BB962C8B-B14F-4D97-AF65-F5344CB8AC3E}">
+        <p14:creationId xmlns:p14="http://schemas.microsoft.com/office/powerpoint/2010/main" val="612345738"/>
+      </p:ext>
+    </p:extLst>
+  </p:cSld>
+  <p:clrMapOvr>
+    <a:masterClrMapping/>
+  </p:clrMapOvr>
+  <p:timing>
+    <p:tnLst>
+      <p:par>
+        <p:cTn id="1" dur="indefinite" restart="never" nodeType="tmRoot"/>
+      </p:par>
+    </p:tnLst>
+  </p:timing>
+</p:sld>
+</file>
+
+<file path=ppt/slides/slide13.xml><?xml version="1.0" encoding="utf-8"?>
+<p:sld xmlns:a="http://schemas.openxmlformats.org/drawingml/2006/main" xmlns:r="http://schemas.openxmlformats.org/officeDocument/2006/relationships" xmlns:p="http://schemas.openxmlformats.org/presentationml/2006/main">
+  <p:cSld>
+    <p:spTree>
+      <p:nvGrpSpPr>
+        <p:cNvPr id="1" name=""/>
+        <p:cNvGrpSpPr/>
+        <p:nvPr/>
+      </p:nvGrpSpPr>
+      <p:grpSpPr>
+        <a:xfrm>
+          <a:off x="0" y="0"/>
+          <a:ext cx="0" cy="0"/>
+          <a:chOff x="0" y="0"/>
+          <a:chExt cx="0" cy="0"/>
+        </a:xfrm>
+      </p:grpSpPr>
+      <p:sp>
+        <p:nvSpPr>
+          <p:cNvPr id="2" name="Title 1"/>
+          <p:cNvSpPr>
+            <a:spLocks noGrp="1"/>
+          </p:cNvSpPr>
+          <p:nvPr>
+            <p:ph type="title"/>
+          </p:nvPr>
+        </p:nvSpPr>
+        <p:spPr/>
+        <p:txBody>
+          <a:bodyPr/>
+          <a:lstStyle/>
+          <a:p>
+            <a:r>
+              <a:rPr lang="en-US" dirty="0" smtClean="0"/>
+              <a:t>References</a:t>
+            </a:r>
+            <a:endParaRPr lang="en-US" dirty="0"/>
+          </a:p>
+        </p:txBody>
+      </p:sp>
+      <p:sp>
+        <p:nvSpPr>
+          <p:cNvPr id="3" name="Content Placeholder 2"/>
+          <p:cNvSpPr>
+            <a:spLocks noGrp="1"/>
+          </p:cNvSpPr>
+          <p:nvPr>
+            <p:ph sz="quarter" idx="1"/>
+          </p:nvPr>
+        </p:nvSpPr>
+        <p:spPr>
+          <a:xfrm>
+            <a:off x="539552" y="1556792"/>
+            <a:ext cx="7704856" cy="4873752"/>
+          </a:xfrm>
+        </p:spPr>
+        <p:txBody>
+          <a:bodyPr>
+            <a:normAutofit/>
+          </a:bodyPr>
+          <a:lstStyle/>
+          <a:p>
+            <a:r>
+              <a:rPr lang="en-US" sz="1800" dirty="0" smtClean="0"/>
+              <a:t>[1] </a:t>
+            </a:r>
+            <a:r>
+              <a:rPr lang="en-US" sz="1800" dirty="0" err="1" smtClean="0"/>
+              <a:t>Nisar</a:t>
+            </a:r>
+            <a:r>
+              <a:rPr lang="en-US" sz="1800" dirty="0"/>
+              <a:t>, M. D., </a:t>
+            </a:r>
+            <a:r>
+              <a:rPr lang="en-US" sz="1800" dirty="0" err="1"/>
+              <a:t>Nottensteiner</a:t>
+            </a:r>
+            <a:r>
+              <a:rPr lang="en-US" sz="1800" dirty="0"/>
+              <a:t>, H., &amp; </a:t>
+            </a:r>
+            <a:r>
+              <a:rPr lang="en-US" sz="1800" dirty="0" err="1"/>
+              <a:t>Hindelang</a:t>
+            </a:r>
+            <a:r>
+              <a:rPr lang="en-US" sz="1800" dirty="0"/>
+              <a:t>, T. (2007, July). On performance limits of DFT spread OFDM systems. In Mobile and Wireless Communications Summit, 2007. 16th IST (pp. 1-4). IEEE</a:t>
+            </a:r>
+            <a:r>
+              <a:rPr lang="en-US" sz="1800" dirty="0" smtClean="0"/>
+              <a:t>.</a:t>
+            </a:r>
+          </a:p>
+          <a:p>
+            <a:r>
+              <a:rPr lang="en-US" sz="1800" dirty="0"/>
+              <a:t>[2] Wang, H., You, X., Jiang, B., &amp; </a:t>
+            </a:r>
+            <a:r>
+              <a:rPr lang="en-US" sz="1800" dirty="0" err="1"/>
+              <a:t>Gao</a:t>
+            </a:r>
+            <a:r>
+              <a:rPr lang="en-US" sz="1800" dirty="0"/>
+              <a:t>, X. (2008, May). Performance analysis of frequency domain equalization in SC-FDMA systems. In Communications, 2008. ICC'08. IEEE International Conference on (pp. 4342-4347). IEEE</a:t>
+            </a:r>
+            <a:r>
+              <a:rPr lang="en-US" sz="1800" dirty="0" smtClean="0"/>
+              <a:t>.</a:t>
+            </a:r>
+          </a:p>
+          <a:p>
+            <a:r>
+              <a:rPr lang="en-US" sz="1800" dirty="0"/>
+              <a:t>[3] J. J. Sánchez-Sánchez, U. </a:t>
+            </a:r>
+            <a:r>
+              <a:rPr lang="en-US" sz="1800" dirty="0" err="1"/>
+              <a:t>Fernández-Plazaola</a:t>
+            </a:r>
+            <a:r>
+              <a:rPr lang="en-US" sz="1800" dirty="0"/>
+              <a:t>, M. C. </a:t>
+            </a:r>
+            <a:r>
+              <a:rPr lang="en-US" sz="1800" dirty="0" err="1" smtClean="0"/>
+              <a:t>Aguayo-Torres,and</a:t>
+            </a:r>
+            <a:r>
+              <a:rPr lang="en-US" sz="1800" dirty="0" smtClean="0"/>
+              <a:t> </a:t>
+            </a:r>
+            <a:r>
+              <a:rPr lang="en-US" sz="1800" dirty="0"/>
+              <a:t>J. </a:t>
+            </a:r>
+            <a:r>
+              <a:rPr lang="en-US" sz="1800" dirty="0" err="1"/>
+              <a:t>Entrambasaguas</a:t>
+            </a:r>
+            <a:r>
+              <a:rPr lang="en-US" sz="1800" dirty="0"/>
+              <a:t>, “Closed-form BER expression for </a:t>
+            </a:r>
+            <a:r>
+              <a:rPr lang="en-US" sz="1800" dirty="0" err="1" smtClean="0"/>
+              <a:t>interleavedSC</a:t>
+            </a:r>
+            <a:r>
+              <a:rPr lang="en-US" sz="1800" dirty="0" smtClean="0"/>
+              <a:t>-FDMA </a:t>
+            </a:r>
+            <a:r>
+              <a:rPr lang="en-US" sz="1800" dirty="0"/>
+              <a:t>with M-QAM,” in Proc. IEEE 70th VTC, 2009, pp. 1–5</a:t>
+            </a:r>
+            <a:r>
+              <a:rPr lang="en-US" sz="1800" dirty="0" smtClean="0"/>
+              <a:t>.</a:t>
+            </a:r>
+          </a:p>
+          <a:p>
+            <a:r>
+              <a:rPr lang="en-US" sz="1800" dirty="0"/>
+              <a:t>[4] J. J. Sánchez-Sánchez, M. C. </a:t>
+            </a:r>
+            <a:r>
+              <a:rPr lang="en-US" sz="1800" dirty="0" err="1"/>
+              <a:t>Aguayo</a:t>
+            </a:r>
+            <a:r>
+              <a:rPr lang="en-US" sz="1800" dirty="0"/>
+              <a:t>-Torres, and U. </a:t>
+            </a:r>
+            <a:r>
+              <a:rPr lang="en-US" sz="1800" dirty="0" err="1"/>
+              <a:t>Fernández-Plazaola</a:t>
+            </a:r>
+            <a:r>
+              <a:rPr lang="en-US" sz="1800" dirty="0" smtClean="0"/>
+              <a:t>, “</a:t>
+            </a:r>
+            <a:r>
+              <a:rPr lang="en-US" sz="1800" dirty="0"/>
+              <a:t>BER analysis for zero-forcing SC-FDMA over </a:t>
+            </a:r>
+            <a:r>
+              <a:rPr lang="en-US" sz="1800" dirty="0" err="1"/>
+              <a:t>Nakagami</a:t>
+            </a:r>
+            <a:r>
+              <a:rPr lang="en-US" sz="1800" dirty="0"/>
+              <a:t>-m </a:t>
+            </a:r>
+            <a:r>
+              <a:rPr lang="en-US" sz="1800" dirty="0" smtClean="0"/>
+              <a:t>fading channels</a:t>
+            </a:r>
+            <a:r>
+              <a:rPr lang="en-US" sz="1800" dirty="0"/>
+              <a:t>,” IEEE Trans. </a:t>
+            </a:r>
+            <a:r>
+              <a:rPr lang="en-US" sz="1800" dirty="0" err="1"/>
+              <a:t>Veh</a:t>
+            </a:r>
+            <a:r>
+              <a:rPr lang="en-US" sz="1800" dirty="0"/>
+              <a:t>. Technol., vol. 60, no. 8, pp. </a:t>
+            </a:r>
+            <a:r>
+              <a:rPr lang="en-US" sz="1800" dirty="0" smtClean="0"/>
+              <a:t>4077–4081,Oct</a:t>
+            </a:r>
+            <a:r>
+              <a:rPr lang="en-US" sz="1800" dirty="0"/>
+              <a:t>. 2011</a:t>
+            </a:r>
+            <a:endParaRPr lang="en-US" sz="1800" dirty="0" smtClean="0"/>
+          </a:p>
+          <a:p>
+            <a:endParaRPr lang="en-US" sz="1800" dirty="0" smtClean="0"/>
+          </a:p>
+          <a:p>
+            <a:endParaRPr lang="en-US" dirty="0"/>
+          </a:p>
+        </p:txBody>
+      </p:sp>
+    </p:spTree>
+    <p:extLst>
+      <p:ext uri="{BB962C8B-B14F-4D97-AF65-F5344CB8AC3E}">
+        <p14:creationId xmlns:p14="http://schemas.microsoft.com/office/powerpoint/2010/main" val="1423524627"/>
+      </p:ext>
+    </p:extLst>
+  </p:cSld>
+  <p:clrMapOvr>
+    <a:masterClrMapping/>
+  </p:clrMapOvr>
+  <p:timing>
+    <p:tnLst>
+      <p:par>
+        <p:cTn id="1" dur="indefinite" restart="never" nodeType="tmRoot"/>
+      </p:par>
+    </p:tnLst>
+  </p:timing>
+</p:sld>
+</file>
+
+<file path=ppt/slides/slide2.xml><?xml version="1.0" encoding="utf-8"?>
+<p:sld xmlns:a="http://schemas.openxmlformats.org/drawingml/2006/main" xmlns:r="http://schemas.openxmlformats.org/officeDocument/2006/relationships" xmlns:p="http://schemas.openxmlformats.org/presentationml/2006/main">
+  <p:cSld>
+    <p:spTree>
+      <p:nvGrpSpPr>
+        <p:cNvPr id="1" name=""/>
+        <p:cNvGrpSpPr/>
+        <p:nvPr/>
+      </p:nvGrpSpPr>
+      <p:grpSpPr>
+        <a:xfrm>
+          <a:off x="0" y="0"/>
+          <a:ext cx="0" cy="0"/>
+          <a:chOff x="0" y="0"/>
+          <a:chExt cx="0" cy="0"/>
+        </a:xfrm>
+      </p:grpSpPr>
+      <p:sp>
+        <p:nvSpPr>
+          <p:cNvPr id="2" name="Title 1"/>
+          <p:cNvSpPr>
+            <a:spLocks noGrp="1"/>
+          </p:cNvSpPr>
+          <p:nvPr>
+            <p:ph type="title"/>
+          </p:nvPr>
+        </p:nvSpPr>
+        <p:spPr/>
+        <p:txBody>
+          <a:bodyPr/>
+          <a:lstStyle/>
+          <a:p>
+            <a:r>
+              <a:rPr lang="en-US" dirty="0" smtClean="0"/>
+              <a:t>Literature Review</a:t>
+            </a:r>
+            <a:endParaRPr lang="en-US" dirty="0"/>
+          </a:p>
+        </p:txBody>
+      </p:sp>
+      <p:sp>
+        <p:nvSpPr>
+          <p:cNvPr id="3" name="Content Placeholder 2"/>
+          <p:cNvSpPr>
+            <a:spLocks noGrp="1"/>
+          </p:cNvSpPr>
+          <p:nvPr>
+            <p:ph sz="quarter" idx="1"/>
+          </p:nvPr>
+        </p:nvSpPr>
+        <p:spPr>
+          <a:xfrm>
+            <a:off x="457200" y="1600200"/>
+            <a:ext cx="7467600" cy="2836912"/>
+          </a:xfrm>
+        </p:spPr>
+        <p:txBody>
+          <a:bodyPr>
+            <a:normAutofit/>
+          </a:bodyPr>
+          <a:lstStyle/>
+          <a:p>
+            <a:r>
+              <a:rPr lang="en-US" sz="1800" dirty="0"/>
+              <a:t>[1] </a:t>
+            </a:r>
+            <a:r>
+              <a:rPr lang="en-US" sz="1800" dirty="0" smtClean="0"/>
+              <a:t>2007. Analytical expression of SER using: </a:t>
+            </a:r>
+            <a:r>
+              <a:rPr lang="en-US" sz="1500" dirty="0" smtClean="0"/>
+              <a:t>AWGN, Fading AWGN, Multipath.</a:t>
+            </a:r>
+          </a:p>
+          <a:p>
+            <a:r>
+              <a:rPr lang="en-US" sz="1800" dirty="0" smtClean="0"/>
+              <a:t>[2] 2008. Analytical expression of BER for MMSE and ZFE EQ for an AWGN channel.</a:t>
+            </a:r>
+          </a:p>
+          <a:p>
+            <a:r>
+              <a:rPr lang="en-US" sz="1800" dirty="0" smtClean="0"/>
+              <a:t>[3</a:t>
+            </a:r>
+            <a:r>
+              <a:rPr lang="en-US" sz="1800" dirty="0"/>
+              <a:t>] </a:t>
+            </a:r>
+            <a:r>
+              <a:rPr lang="en-US" sz="1800" dirty="0" smtClean="0"/>
+              <a:t>2009. Study </a:t>
+            </a:r>
+            <a:r>
+              <a:rPr lang="en-US" sz="1800" dirty="0"/>
+              <a:t>of the bit error rate </a:t>
+            </a:r>
+            <a:r>
+              <a:rPr lang="en-US" sz="1800" dirty="0" smtClean="0"/>
+              <a:t>over  </a:t>
+            </a:r>
+            <a:r>
+              <a:rPr lang="en-US" sz="1800" dirty="0"/>
+              <a:t>Rayleigh  fading  </a:t>
+            </a:r>
+            <a:r>
+              <a:rPr lang="en-US" sz="1800" dirty="0" smtClean="0"/>
+              <a:t>channels for BPSK and M-QAM modulations.</a:t>
+            </a:r>
+          </a:p>
+          <a:p>
+            <a:r>
+              <a:rPr lang="en-US" sz="1800" dirty="0" smtClean="0"/>
+              <a:t>[4</a:t>
+            </a:r>
+            <a:r>
+              <a:rPr lang="en-US" sz="1800" dirty="0"/>
+              <a:t>] </a:t>
+            </a:r>
+            <a:r>
+              <a:rPr lang="en-US" sz="1800" dirty="0" smtClean="0"/>
+              <a:t>2011. Study </a:t>
+            </a:r>
+            <a:r>
+              <a:rPr lang="en-US" sz="1800" dirty="0"/>
+              <a:t>of the bit error rate over  </a:t>
+            </a:r>
+            <a:r>
+              <a:rPr lang="en-US" sz="1800" dirty="0" err="1" smtClean="0"/>
+              <a:t>nakagami</a:t>
+            </a:r>
+            <a:r>
+              <a:rPr lang="en-US" sz="1800" dirty="0" smtClean="0"/>
+              <a:t>-m  </a:t>
+            </a:r>
+            <a:r>
+              <a:rPr lang="en-US" sz="1800" dirty="0"/>
+              <a:t>fading  channels for B</a:t>
+            </a:r>
+            <a:r>
+              <a:rPr lang="en-US" sz="1800" dirty="0" smtClean="0"/>
+              <a:t>PSK </a:t>
+            </a:r>
+            <a:r>
+              <a:rPr lang="en-US" sz="1800" dirty="0"/>
+              <a:t>and M-QAM </a:t>
+            </a:r>
+            <a:r>
+              <a:rPr lang="en-US" sz="1800" dirty="0" smtClean="0"/>
+              <a:t>modulations with ZF-equalization.</a:t>
+            </a:r>
+          </a:p>
+          <a:p>
+            <a:endParaRPr lang="en-US" sz="1800" dirty="0"/>
+          </a:p>
+        </p:txBody>
+      </p:sp>
+      <p:sp>
+        <p:nvSpPr>
+          <p:cNvPr id="4" name="TextBox 3"/>
+          <p:cNvSpPr txBox="1"/>
+          <p:nvPr/>
+        </p:nvSpPr>
+        <p:spPr>
+          <a:xfrm>
+            <a:off x="539552" y="4762997"/>
+            <a:ext cx="7056784" cy="1200329"/>
+          </a:xfrm>
+          <a:prstGeom prst="rect">
+            <a:avLst/>
+          </a:prstGeom>
+          <a:noFill/>
+        </p:spPr>
+        <p:txBody>
+          <a:bodyPr wrap="square" rtlCol="0">
+            <a:spAutoFit/>
+          </a:bodyPr>
+          <a:lstStyle/>
+          <a:p>
+            <a:r>
+              <a:rPr lang="en-US" dirty="0" smtClean="0"/>
+              <a:t>* None of the above papers discuss the use of pulse shaping filters.</a:t>
+            </a:r>
+          </a:p>
+          <a:p>
+            <a:r>
+              <a:rPr lang="en-US" dirty="0" smtClean="0"/>
+              <a:t>* Derive analytical expression of BER over SC-FDMA in fading channels using PS, seems very difficult !</a:t>
+            </a:r>
+            <a:endParaRPr lang="en-US" dirty="0"/>
+          </a:p>
+        </p:txBody>
+      </p:sp>
+    </p:spTree>
+    <p:extLst>
+      <p:ext uri="{BB962C8B-B14F-4D97-AF65-F5344CB8AC3E}">
+        <p14:creationId xmlns:p14="http://schemas.microsoft.com/office/powerpoint/2010/main" val="3916671147"/>
+      </p:ext>
+    </p:extLst>
+  </p:cSld>
+  <p:clrMapOvr>
+    <a:masterClrMapping/>
+  </p:clrMapOvr>
+  <p:timing>
+    <p:tnLst>
+      <p:par>
+        <p:cTn id="1" dur="indefinite" restart="never" nodeType="tmRoot">
+          <p:childTnLst>
+            <p:seq concurrent="1" nextAc="seek">
+              <p:cTn id="2" dur="indefinite" nodeType="mainSeq">
+                <p:childTnLst>
+                  <p:par>
+                    <p:cTn id="3" fill="hold">
+                      <p:stCondLst>
+                        <p:cond delay="indefinite"/>
+                      </p:stCondLst>
+                      <p:childTnLst>
+                        <p:par>
+                          <p:cTn id="4" fill="hold">
+                            <p:stCondLst>
+                              <p:cond delay="0"/>
+                            </p:stCondLst>
+                            <p:childTnLst>
+                              <p:par>
+                                <p:cTn id="5" presetID="1" presetClass="entr" presetSubtype="0" fill="hold" grpId="0" nodeType="clickEffect">
+                                  <p:stCondLst>
+                                    <p:cond delay="0"/>
+                                  </p:stCondLst>
+                                  <p:childTnLst>
+                                    <p:set>
+                                      <p:cBhvr>
+                                        <p:cTn id="6" dur="1" fill="hold">
+                                          <p:stCondLst>
+                                            <p:cond delay="0"/>
+                                          </p:stCondLst>
+                                        </p:cTn>
+                                        <p:tgtEl>
+                                          <p:spTgt spid="4"/>
+                                        </p:tgtEl>
+                                        <p:attrNameLst>
+                                          <p:attrName>style.visibility</p:attrName>
+                                        </p:attrNameLst>
+                                      </p:cBhvr>
+                                      <p:to>
+                                        <p:strVal val="visible"/>
+                                      </p:to>
+                                    </p:set>
+                                  </p:childTnLst>
+                                </p:cTn>
+                              </p:par>
+                            </p:childTnLst>
+                          </p:cTn>
+                        </p:par>
+                      </p:childTnLst>
+                    </p:cTn>
+                  </p:par>
+                </p:childTnLst>
+              </p:cTn>
+              <p:prevCondLst>
+                <p:cond evt="onPrev" delay="0">
+                  <p:tgtEl>
+                    <p:sldTgt/>
+                  </p:tgtEl>
+                </p:cond>
+              </p:prevCondLst>
+              <p:nextCondLst>
+                <p:cond evt="onNext" delay="0">
+                  <p:tgtEl>
+                    <p:sldTgt/>
+                  </p:tgtEl>
+                </p:cond>
+              </p:nextCondLst>
+            </p:seq>
+          </p:childTnLst>
+        </p:cTn>
+      </p:par>
+    </p:tnLst>
+    <p:bldLst>
+      <p:bldP spid="4" grpId="0"/>
+    </p:bldLst>
+  </p:timing>
+</p:sld>
+</file>
+
+<file path=ppt/slides/slide3.xml><?xml version="1.0" encoding="utf-8"?>
+<p:sld xmlns:a="http://schemas.openxmlformats.org/drawingml/2006/main" xmlns:r="http://schemas.openxmlformats.org/officeDocument/2006/relationships" xmlns:p="http://schemas.openxmlformats.org/presentationml/2006/main">
+  <p:cSld>
+    <p:spTree>
+      <p:nvGrpSpPr>
+        <p:cNvPr id="1" name=""/>
+        <p:cNvGrpSpPr/>
+        <p:nvPr/>
+      </p:nvGrpSpPr>
+      <p:grpSpPr>
+        <a:xfrm>
+          <a:off x="0" y="0"/>
+          <a:ext cx="0" cy="0"/>
+          <a:chOff x="0" y="0"/>
+          <a:chExt cx="0" cy="0"/>
+        </a:xfrm>
+      </p:grpSpPr>
+      <p:sp>
+        <p:nvSpPr>
+          <p:cNvPr id="2" name="Title 1"/>
+          <p:cNvSpPr>
+            <a:spLocks noGrp="1"/>
+          </p:cNvSpPr>
+          <p:nvPr>
+            <p:ph type="title"/>
+          </p:nvPr>
+        </p:nvSpPr>
+        <p:spPr/>
+        <p:txBody>
+          <a:bodyPr/>
+          <a:lstStyle/>
+          <a:p>
+            <a:r>
+              <a:rPr lang="es-CL" dirty="0" err="1" smtClean="0">
+                <a:latin typeface="Caladea" pitchFamily="18" charset="0"/>
+              </a:rPr>
+              <a:t>Introduction</a:t>
+            </a:r>
+            <a:endParaRPr lang="en-US" dirty="0">
+              <a:latin typeface="Caladea" pitchFamily="18" charset="0"/>
+            </a:endParaRPr>
+          </a:p>
+        </p:txBody>
+      </p:sp>
+      <p:sp>
+        <p:nvSpPr>
+          <p:cNvPr id="3" name="Content Placeholder 2"/>
+          <p:cNvSpPr>
+            <a:spLocks noGrp="1"/>
+          </p:cNvSpPr>
+          <p:nvPr>
+            <p:ph sz="quarter" idx="1"/>
+          </p:nvPr>
+        </p:nvSpPr>
+        <p:spPr/>
+        <p:txBody>
+          <a:bodyPr/>
+          <a:lstStyle/>
+          <a:p>
+            <a:r>
+              <a:rPr lang="es-CL" sz="2000" dirty="0" smtClean="0">
+                <a:latin typeface="Caladea" pitchFamily="18" charset="0"/>
+              </a:rPr>
+              <a:t>In </a:t>
+            </a:r>
+            <a:r>
+              <a:rPr lang="es-CL" sz="2000" dirty="0" smtClean="0">
+                <a:latin typeface="Caladea" pitchFamily="18" charset="0"/>
+              </a:rPr>
+              <a:t>[5] </a:t>
+            </a:r>
+            <a:r>
+              <a:rPr lang="es-CL" sz="2000" dirty="0" smtClean="0">
+                <a:latin typeface="Caladea" pitchFamily="18" charset="0"/>
+              </a:rPr>
+              <a:t>a </a:t>
+            </a:r>
+            <a:r>
+              <a:rPr lang="es-CL" sz="2000" dirty="0" err="1" smtClean="0">
+                <a:latin typeface="Caladea" pitchFamily="18" charset="0"/>
+              </a:rPr>
+              <a:t>hybrid</a:t>
+            </a:r>
+            <a:r>
+              <a:rPr lang="es-CL" sz="2000" dirty="0" smtClean="0">
+                <a:latin typeface="Caladea" pitchFamily="18" charset="0"/>
+              </a:rPr>
+              <a:t> </a:t>
+            </a:r>
+            <a:r>
+              <a:rPr lang="es-CL" sz="2000" dirty="0" err="1" smtClean="0">
+                <a:latin typeface="Caladea" pitchFamily="18" charset="0"/>
+              </a:rPr>
+              <a:t>filter</a:t>
+            </a:r>
+            <a:r>
+              <a:rPr lang="es-CL" sz="2000" dirty="0" smtClean="0">
+                <a:latin typeface="Caladea" pitchFamily="18" charset="0"/>
+              </a:rPr>
+              <a:t> </a:t>
+            </a:r>
+            <a:r>
+              <a:rPr lang="es-CL" sz="2000" dirty="0" err="1" smtClean="0">
+                <a:latin typeface="Caladea" pitchFamily="18" charset="0"/>
+              </a:rPr>
+              <a:t>to</a:t>
+            </a:r>
+            <a:r>
+              <a:rPr lang="es-CL" sz="2000" dirty="0" smtClean="0">
+                <a:latin typeface="Caladea" pitchFamily="18" charset="0"/>
+              </a:rPr>
+              <a:t> reduce </a:t>
+            </a:r>
+            <a:r>
+              <a:rPr lang="es-CL" sz="2000" dirty="0" err="1" smtClean="0">
+                <a:latin typeface="Caladea" pitchFamily="18" charset="0"/>
+              </a:rPr>
+              <a:t>the</a:t>
+            </a:r>
+            <a:r>
+              <a:rPr lang="es-CL" sz="2000" dirty="0" smtClean="0">
+                <a:latin typeface="Caladea" pitchFamily="18" charset="0"/>
+              </a:rPr>
+              <a:t> PAPR </a:t>
+            </a:r>
+            <a:r>
+              <a:rPr lang="es-CL" sz="2000" dirty="0" err="1" smtClean="0">
+                <a:latin typeface="Caladea" pitchFamily="18" charset="0"/>
+              </a:rPr>
+              <a:t>on</a:t>
+            </a:r>
+            <a:r>
+              <a:rPr lang="es-CL" sz="2000" dirty="0" smtClean="0">
+                <a:latin typeface="Caladea" pitchFamily="18" charset="0"/>
+              </a:rPr>
+              <a:t> </a:t>
+            </a:r>
+            <a:r>
+              <a:rPr lang="es-CL" sz="2000" dirty="0" err="1" smtClean="0">
+                <a:latin typeface="Caladea" pitchFamily="18" charset="0"/>
+              </a:rPr>
+              <a:t>the</a:t>
+            </a:r>
+            <a:r>
+              <a:rPr lang="es-CL" sz="2000" dirty="0" smtClean="0">
+                <a:latin typeface="Caladea" pitchFamily="18" charset="0"/>
+              </a:rPr>
+              <a:t> </a:t>
+            </a:r>
+            <a:r>
+              <a:rPr lang="es-CL" sz="2000" dirty="0" err="1" smtClean="0">
+                <a:latin typeface="Caladea" pitchFamily="18" charset="0"/>
+              </a:rPr>
+              <a:t>Tx</a:t>
+            </a:r>
+            <a:r>
+              <a:rPr lang="es-CL" sz="2000" dirty="0" smtClean="0">
+                <a:latin typeface="Caladea" pitchFamily="18" charset="0"/>
+              </a:rPr>
+              <a:t> </a:t>
+            </a:r>
+            <a:r>
+              <a:rPr lang="es-CL" sz="2000" dirty="0" err="1" smtClean="0">
+                <a:latin typeface="Caladea" pitchFamily="18" charset="0"/>
+              </a:rPr>
+              <a:t>side</a:t>
+            </a:r>
+            <a:r>
+              <a:rPr lang="es-CL" sz="2000" dirty="0" smtClean="0">
+                <a:latin typeface="Caladea" pitchFamily="18" charset="0"/>
+              </a:rPr>
+              <a:t> </a:t>
+            </a:r>
+            <a:r>
+              <a:rPr lang="es-CL" sz="2000" dirty="0" err="1" smtClean="0">
+                <a:latin typeface="Caladea" pitchFamily="18" charset="0"/>
+              </a:rPr>
+              <a:t>was</a:t>
+            </a:r>
+            <a:r>
+              <a:rPr lang="es-CL" sz="2000" dirty="0" smtClean="0">
+                <a:latin typeface="Caladea" pitchFamily="18" charset="0"/>
+              </a:rPr>
+              <a:t> </a:t>
+            </a:r>
+            <a:r>
+              <a:rPr lang="es-CL" sz="2000" dirty="0" err="1" smtClean="0">
+                <a:latin typeface="Caladea" pitchFamily="18" charset="0"/>
+              </a:rPr>
+              <a:t>proposed</a:t>
+            </a:r>
+            <a:r>
+              <a:rPr lang="es-CL" sz="2000" dirty="0" smtClean="0">
+                <a:latin typeface="Caladea" pitchFamily="18" charset="0"/>
+              </a:rPr>
+              <a:t>.</a:t>
+            </a:r>
+          </a:p>
+          <a:p>
+            <a:pPr marL="0" indent="0">
+              <a:buNone/>
+            </a:pPr>
+            <a:endParaRPr lang="es-CL" sz="2000" dirty="0" smtClean="0">
+              <a:latin typeface="Caladea" pitchFamily="18" charset="0"/>
+            </a:endParaRPr>
+          </a:p>
+          <a:p>
+            <a:r>
+              <a:rPr lang="es-CL" sz="2000" dirty="0" err="1" smtClean="0">
+                <a:latin typeface="Caladea" pitchFamily="18" charset="0"/>
+              </a:rPr>
+              <a:t>The</a:t>
+            </a:r>
+            <a:r>
+              <a:rPr lang="es-CL" sz="2000" dirty="0" smtClean="0">
+                <a:latin typeface="Caladea" pitchFamily="18" charset="0"/>
+              </a:rPr>
+              <a:t> </a:t>
+            </a:r>
+            <a:r>
+              <a:rPr lang="es-CL" sz="2000" dirty="0" err="1" smtClean="0">
+                <a:latin typeface="Caladea" pitchFamily="18" charset="0"/>
+              </a:rPr>
+              <a:t>design</a:t>
+            </a:r>
+            <a:r>
+              <a:rPr lang="es-CL" sz="2000" dirty="0" smtClean="0">
+                <a:latin typeface="Caladea" pitchFamily="18" charset="0"/>
+              </a:rPr>
+              <a:t> of </a:t>
+            </a:r>
+            <a:r>
+              <a:rPr lang="es-CL" sz="2000" dirty="0" err="1" smtClean="0">
+                <a:latin typeface="Caladea" pitchFamily="18" charset="0"/>
+              </a:rPr>
+              <a:t>the</a:t>
+            </a:r>
+            <a:r>
+              <a:rPr lang="es-CL" sz="2000" dirty="0" smtClean="0">
+                <a:latin typeface="Caladea" pitchFamily="18" charset="0"/>
+              </a:rPr>
+              <a:t> </a:t>
+            </a:r>
+            <a:r>
+              <a:rPr lang="es-CL" sz="2000" dirty="0" err="1" smtClean="0">
+                <a:latin typeface="Caladea" pitchFamily="18" charset="0"/>
+              </a:rPr>
+              <a:t>filter</a:t>
+            </a:r>
+            <a:r>
+              <a:rPr lang="es-CL" sz="2000" dirty="0" smtClean="0">
+                <a:latin typeface="Caladea" pitchFamily="18" charset="0"/>
+              </a:rPr>
+              <a:t> </a:t>
+            </a:r>
+            <a:r>
+              <a:rPr lang="es-CL" sz="2000" dirty="0" err="1" smtClean="0">
+                <a:latin typeface="Caladea" pitchFamily="18" charset="0"/>
+              </a:rPr>
+              <a:t>is</a:t>
+            </a:r>
+            <a:r>
+              <a:rPr lang="es-CL" sz="2000" dirty="0" smtClean="0">
+                <a:latin typeface="Caladea" pitchFamily="18" charset="0"/>
+              </a:rPr>
+              <a:t> </a:t>
+            </a:r>
+            <a:r>
+              <a:rPr lang="es-CL" sz="2000" dirty="0" err="1" smtClean="0">
+                <a:latin typeface="Caladea" pitchFamily="18" charset="0"/>
+              </a:rPr>
+              <a:t>based</a:t>
+            </a:r>
+            <a:r>
+              <a:rPr lang="es-CL" sz="2000" dirty="0" smtClean="0">
+                <a:latin typeface="Caladea" pitchFamily="18" charset="0"/>
+              </a:rPr>
+              <a:t> in 2 </a:t>
+            </a:r>
+            <a:r>
+              <a:rPr lang="es-CL" sz="2000" dirty="0" err="1" smtClean="0">
+                <a:latin typeface="Caladea" pitchFamily="18" charset="0"/>
+              </a:rPr>
+              <a:t>key</a:t>
+            </a:r>
+            <a:r>
+              <a:rPr lang="es-CL" sz="2000" dirty="0" smtClean="0">
+                <a:latin typeface="Caladea" pitchFamily="18" charset="0"/>
+              </a:rPr>
+              <a:t> </a:t>
+            </a:r>
+            <a:r>
+              <a:rPr lang="es-CL" sz="2000" dirty="0" err="1" smtClean="0">
+                <a:latin typeface="Caladea" pitchFamily="18" charset="0"/>
+              </a:rPr>
+              <a:t>components</a:t>
+            </a:r>
+            <a:r>
+              <a:rPr lang="es-CL" sz="2000" dirty="0" smtClean="0">
+                <a:latin typeface="Caladea" pitchFamily="18" charset="0"/>
+              </a:rPr>
+              <a:t>: FIR </a:t>
+            </a:r>
+            <a:r>
+              <a:rPr lang="es-CL" sz="2000" dirty="0" err="1" smtClean="0">
+                <a:latin typeface="Caladea" pitchFamily="18" charset="0"/>
+              </a:rPr>
+              <a:t>filter</a:t>
+            </a:r>
+            <a:r>
+              <a:rPr lang="es-CL" sz="2000" dirty="0" smtClean="0">
+                <a:latin typeface="Caladea" pitchFamily="18" charset="0"/>
+              </a:rPr>
+              <a:t> + Nyquist-I pulse.</a:t>
+            </a:r>
+          </a:p>
+          <a:p>
+            <a:pPr marL="0" indent="0">
+              <a:buNone/>
+            </a:pPr>
+            <a:endParaRPr lang="es-CL" sz="2000" dirty="0" smtClean="0">
+              <a:latin typeface="Caladea" pitchFamily="18" charset="0"/>
+            </a:endParaRPr>
+          </a:p>
+          <a:p>
+            <a:r>
+              <a:rPr lang="es-CL" sz="2000" dirty="0" err="1" smtClean="0">
+                <a:latin typeface="Caladea" pitchFamily="18" charset="0"/>
+              </a:rPr>
+              <a:t>An</a:t>
+            </a:r>
+            <a:r>
+              <a:rPr lang="es-CL" sz="2000" dirty="0" smtClean="0">
+                <a:latin typeface="Caladea" pitchFamily="18" charset="0"/>
+              </a:rPr>
+              <a:t> </a:t>
+            </a:r>
+            <a:r>
+              <a:rPr lang="es-CL" sz="2000" dirty="0" err="1" smtClean="0">
+                <a:latin typeface="Caladea" pitchFamily="18" charset="0"/>
+              </a:rPr>
+              <a:t>envelope</a:t>
+            </a:r>
+            <a:r>
+              <a:rPr lang="es-CL" sz="2000" dirty="0" smtClean="0">
+                <a:latin typeface="Caladea" pitchFamily="18" charset="0"/>
+              </a:rPr>
+              <a:t> </a:t>
+            </a:r>
+            <a:r>
+              <a:rPr lang="es-CL" sz="2000" dirty="0" err="1" smtClean="0">
+                <a:latin typeface="Caladea" pitchFamily="18" charset="0"/>
+              </a:rPr>
+              <a:t>constrain</a:t>
+            </a:r>
+            <a:r>
+              <a:rPr lang="es-CL" sz="2000" dirty="0" smtClean="0">
+                <a:latin typeface="Caladea" pitchFamily="18" charset="0"/>
+              </a:rPr>
+              <a:t> (EC) </a:t>
+            </a:r>
+            <a:r>
+              <a:rPr lang="es-CL" sz="2000" dirty="0" err="1" smtClean="0">
+                <a:latin typeface="Caladea" pitchFamily="18" charset="0"/>
+              </a:rPr>
+              <a:t>is</a:t>
+            </a:r>
+            <a:r>
+              <a:rPr lang="es-CL" sz="2000" dirty="0">
+                <a:latin typeface="Caladea" pitchFamily="18" charset="0"/>
+              </a:rPr>
+              <a:t> </a:t>
+            </a:r>
+            <a:r>
+              <a:rPr lang="es-CL" sz="2000" dirty="0" err="1" smtClean="0">
+                <a:latin typeface="Caladea" pitchFamily="18" charset="0"/>
+              </a:rPr>
+              <a:t>used</a:t>
+            </a:r>
+            <a:r>
+              <a:rPr lang="es-CL" sz="2000" dirty="0" smtClean="0">
+                <a:latin typeface="Caladea" pitchFamily="18" charset="0"/>
+              </a:rPr>
+              <a:t> </a:t>
+            </a:r>
+            <a:r>
+              <a:rPr lang="es-CL" sz="2000" dirty="0" err="1" smtClean="0">
+                <a:latin typeface="Caladea" pitchFamily="18" charset="0"/>
+              </a:rPr>
+              <a:t>to</a:t>
+            </a:r>
+            <a:r>
+              <a:rPr lang="es-CL" sz="2000" dirty="0" smtClean="0">
+                <a:latin typeface="Caladea" pitchFamily="18" charset="0"/>
+              </a:rPr>
+              <a:t> </a:t>
+            </a:r>
+            <a:r>
+              <a:rPr lang="es-CL" sz="2000" dirty="0" err="1" smtClean="0">
+                <a:latin typeface="Caladea" pitchFamily="18" charset="0"/>
+              </a:rPr>
+              <a:t>optimize</a:t>
+            </a:r>
+            <a:r>
+              <a:rPr lang="es-CL" sz="2000" dirty="0" smtClean="0">
+                <a:latin typeface="Caladea" pitchFamily="18" charset="0"/>
+              </a:rPr>
+              <a:t> </a:t>
+            </a:r>
+            <a:r>
+              <a:rPr lang="es-CL" sz="2000" dirty="0" err="1" smtClean="0">
+                <a:latin typeface="Caladea" pitchFamily="18" charset="0"/>
+              </a:rPr>
+              <a:t>the</a:t>
+            </a:r>
+            <a:r>
+              <a:rPr lang="es-CL" sz="2000" dirty="0" smtClean="0">
+                <a:latin typeface="Caladea" pitchFamily="18" charset="0"/>
+              </a:rPr>
+              <a:t> impulse response of </a:t>
+            </a:r>
+            <a:r>
+              <a:rPr lang="es-CL" sz="2000" dirty="0" err="1" smtClean="0">
+                <a:latin typeface="Caladea" pitchFamily="18" charset="0"/>
+              </a:rPr>
+              <a:t>the</a:t>
+            </a:r>
+            <a:r>
+              <a:rPr lang="es-CL" sz="2000" dirty="0" smtClean="0">
+                <a:latin typeface="Caladea" pitchFamily="18" charset="0"/>
+              </a:rPr>
+              <a:t> </a:t>
+            </a:r>
+            <a:r>
+              <a:rPr lang="es-CL" sz="2000" dirty="0" err="1" smtClean="0">
+                <a:latin typeface="Caladea" pitchFamily="18" charset="0"/>
+              </a:rPr>
+              <a:t>filter</a:t>
+            </a:r>
+            <a:r>
+              <a:rPr lang="es-CL" sz="2000" dirty="0" smtClean="0">
+                <a:latin typeface="Caladea" pitchFamily="18" charset="0"/>
+              </a:rPr>
+              <a:t> in </a:t>
+            </a:r>
+            <a:r>
+              <a:rPr lang="es-CL" sz="2000" dirty="0" err="1" smtClean="0">
+                <a:latin typeface="Caladea" pitchFamily="18" charset="0"/>
+              </a:rPr>
+              <a:t>terms</a:t>
+            </a:r>
+            <a:r>
+              <a:rPr lang="es-CL" sz="2000" dirty="0" smtClean="0">
+                <a:latin typeface="Caladea" pitchFamily="18" charset="0"/>
+              </a:rPr>
+              <a:t> of </a:t>
+            </a:r>
+            <a:r>
+              <a:rPr lang="es-CL" sz="2000" b="1" dirty="0" smtClean="0">
+                <a:latin typeface="Caladea" pitchFamily="18" charset="0"/>
+              </a:rPr>
+              <a:t>PAPR.  </a:t>
+            </a:r>
+          </a:p>
+          <a:p>
+            <a:endParaRPr lang="es-CL" sz="2000" b="1" dirty="0" smtClean="0">
+              <a:latin typeface="Caladea" pitchFamily="18" charset="0"/>
+            </a:endParaRPr>
+          </a:p>
+          <a:p>
+            <a:r>
+              <a:rPr lang="es-CL" sz="2000" dirty="0" err="1" smtClean="0">
+                <a:latin typeface="Caladea" pitchFamily="18" charset="0"/>
+              </a:rPr>
+              <a:t>How</a:t>
+            </a:r>
+            <a:r>
+              <a:rPr lang="es-CL" sz="2000" dirty="0" smtClean="0">
+                <a:latin typeface="Caladea" pitchFamily="18" charset="0"/>
+              </a:rPr>
+              <a:t> </a:t>
+            </a:r>
+            <a:r>
+              <a:rPr lang="es-CL" sz="2000" dirty="0">
+                <a:latin typeface="Caladea" pitchFamily="18" charset="0"/>
+              </a:rPr>
+              <a:t>? </a:t>
+            </a:r>
+            <a:r>
+              <a:rPr lang="es-CL" sz="2000" dirty="0" err="1">
+                <a:latin typeface="Caladea" pitchFamily="18" charset="0"/>
+              </a:rPr>
+              <a:t>Decreasing</a:t>
+            </a:r>
+            <a:r>
+              <a:rPr lang="es-CL" sz="2000" dirty="0">
+                <a:latin typeface="Caladea" pitchFamily="18" charset="0"/>
+              </a:rPr>
+              <a:t> </a:t>
+            </a:r>
+            <a:r>
+              <a:rPr lang="es-CL" sz="2000" dirty="0" err="1">
+                <a:latin typeface="Caladea" pitchFamily="18" charset="0"/>
+              </a:rPr>
+              <a:t>the</a:t>
+            </a:r>
+            <a:r>
+              <a:rPr lang="es-CL" sz="2000" dirty="0">
+                <a:latin typeface="Caladea" pitchFamily="18" charset="0"/>
+              </a:rPr>
+              <a:t> </a:t>
+            </a:r>
+            <a:r>
+              <a:rPr lang="es-CL" sz="2000" dirty="0" err="1" smtClean="0">
+                <a:latin typeface="Caladea" pitchFamily="18" charset="0"/>
+              </a:rPr>
+              <a:t>magnitude</a:t>
+            </a:r>
+            <a:r>
+              <a:rPr lang="es-CL" sz="2000" dirty="0" smtClean="0">
+                <a:latin typeface="Caladea" pitchFamily="18" charset="0"/>
+              </a:rPr>
+              <a:t> of </a:t>
+            </a:r>
+            <a:r>
+              <a:rPr lang="es-CL" sz="2000" dirty="0" err="1" smtClean="0">
+                <a:latin typeface="Caladea" pitchFamily="18" charset="0"/>
+              </a:rPr>
+              <a:t>the</a:t>
+            </a:r>
+            <a:r>
+              <a:rPr lang="es-CL" sz="2000" dirty="0" smtClean="0">
+                <a:latin typeface="Caladea" pitchFamily="18" charset="0"/>
+              </a:rPr>
+              <a:t> output </a:t>
+            </a:r>
+            <a:r>
+              <a:rPr lang="es-CL" sz="2000" dirty="0" err="1" smtClean="0">
+                <a:latin typeface="Caladea" pitchFamily="18" charset="0"/>
+              </a:rPr>
+              <a:t>side</a:t>
+            </a:r>
+            <a:r>
+              <a:rPr lang="es-CL" sz="2000" dirty="0" smtClean="0">
+                <a:latin typeface="Caladea" pitchFamily="18" charset="0"/>
+              </a:rPr>
+              <a:t> </a:t>
+            </a:r>
+            <a:r>
+              <a:rPr lang="es-CL" sz="2000" dirty="0" err="1" smtClean="0">
+                <a:latin typeface="Caladea" pitchFamily="18" charset="0"/>
+              </a:rPr>
+              <a:t>lobes</a:t>
+            </a:r>
+            <a:r>
+              <a:rPr lang="es-CL" sz="2000" dirty="0" smtClean="0">
+                <a:latin typeface="Caladea" pitchFamily="18" charset="0"/>
+              </a:rPr>
+              <a:t> of </a:t>
+            </a:r>
+            <a:r>
+              <a:rPr lang="es-CL" sz="2000" dirty="0" err="1" smtClean="0">
+                <a:latin typeface="Caladea" pitchFamily="18" charset="0"/>
+              </a:rPr>
+              <a:t>the</a:t>
+            </a:r>
+            <a:r>
+              <a:rPr lang="es-CL" sz="2000" dirty="0" smtClean="0">
+                <a:latin typeface="Caladea" pitchFamily="18" charset="0"/>
+              </a:rPr>
+              <a:t> impulse response</a:t>
+            </a:r>
+            <a:endParaRPr lang="es-CL" sz="2000" dirty="0">
+              <a:latin typeface="Caladea" pitchFamily="18" charset="0"/>
+            </a:endParaRPr>
+          </a:p>
+          <a:p>
+            <a:endParaRPr lang="en-US" b="1" dirty="0">
+              <a:latin typeface="Caladea" pitchFamily="18" charset="0"/>
+            </a:endParaRPr>
+          </a:p>
+        </p:txBody>
+      </p:sp>
+      <p:sp>
+        <p:nvSpPr>
+          <p:cNvPr id="4" name="TextBox 3"/>
+          <p:cNvSpPr txBox="1"/>
+          <p:nvPr/>
+        </p:nvSpPr>
+        <p:spPr>
+          <a:xfrm>
+            <a:off x="160784" y="6029083"/>
+            <a:ext cx="8275984" cy="646331"/>
+          </a:xfrm>
+          <a:prstGeom prst="rect">
+            <a:avLst/>
+          </a:prstGeom>
+          <a:noFill/>
+        </p:spPr>
+        <p:txBody>
+          <a:bodyPr wrap="square" rtlCol="0">
+            <a:spAutoFit/>
+          </a:bodyPr>
+          <a:lstStyle/>
+          <a:p>
+            <a:r>
+              <a:rPr lang="es-CL" dirty="0" smtClean="0">
+                <a:latin typeface="Caladea" pitchFamily="18" charset="0"/>
+              </a:rPr>
+              <a:t>[5] </a:t>
+            </a:r>
+            <a:r>
+              <a:rPr lang="es-CL" dirty="0" err="1" smtClean="0">
+                <a:latin typeface="Caladea" pitchFamily="18" charset="0"/>
+              </a:rPr>
+              <a:t>Kamal</a:t>
+            </a:r>
+            <a:r>
+              <a:rPr lang="es-CL" dirty="0" smtClean="0">
+                <a:latin typeface="Caladea" pitchFamily="18" charset="0"/>
+              </a:rPr>
+              <a:t>, S., Meza, C. A. A., </a:t>
+            </a:r>
+            <a:r>
+              <a:rPr lang="es-CL" dirty="0" err="1" smtClean="0">
+                <a:latin typeface="Caladea" pitchFamily="18" charset="0"/>
+              </a:rPr>
+              <a:t>Tran</a:t>
+            </a:r>
+            <a:r>
+              <a:rPr lang="es-CL" dirty="0" smtClean="0">
+                <a:latin typeface="Caladea" pitchFamily="18" charset="0"/>
+              </a:rPr>
+              <a:t>, N. H., &amp; Lee, K. (2017). </a:t>
+            </a:r>
+            <a:r>
+              <a:rPr lang="es-CL" dirty="0" err="1" smtClean="0">
+                <a:latin typeface="Caladea" pitchFamily="18" charset="0"/>
+              </a:rPr>
+              <a:t>Low</a:t>
+            </a:r>
+            <a:r>
+              <a:rPr lang="es-CL" dirty="0" smtClean="0">
+                <a:latin typeface="Caladea" pitchFamily="18" charset="0"/>
+              </a:rPr>
+              <a:t>-PAPR </a:t>
+            </a:r>
+            <a:r>
+              <a:rPr lang="es-CL" dirty="0" err="1" smtClean="0">
+                <a:latin typeface="Caladea" pitchFamily="18" charset="0"/>
+              </a:rPr>
+              <a:t>Hybrid</a:t>
+            </a:r>
+            <a:r>
+              <a:rPr lang="es-CL" dirty="0" smtClean="0">
+                <a:latin typeface="Caladea" pitchFamily="18" charset="0"/>
+              </a:rPr>
+              <a:t> </a:t>
+            </a:r>
+            <a:r>
+              <a:rPr lang="es-CL" dirty="0" err="1" smtClean="0">
+                <a:latin typeface="Caladea" pitchFamily="18" charset="0"/>
+              </a:rPr>
+              <a:t>Filter</a:t>
+            </a:r>
+            <a:r>
+              <a:rPr lang="es-CL" dirty="0" smtClean="0">
+                <a:latin typeface="Caladea" pitchFamily="18" charset="0"/>
+              </a:rPr>
+              <a:t> </a:t>
+            </a:r>
+            <a:r>
+              <a:rPr lang="es-CL" dirty="0" err="1" smtClean="0">
+                <a:latin typeface="Caladea" pitchFamily="18" charset="0"/>
+              </a:rPr>
+              <a:t>for</a:t>
+            </a:r>
+            <a:r>
+              <a:rPr lang="es-CL" dirty="0" smtClean="0">
+                <a:latin typeface="Caladea" pitchFamily="18" charset="0"/>
+              </a:rPr>
+              <a:t> SC-FDMA. IEEE </a:t>
+            </a:r>
+            <a:r>
+              <a:rPr lang="es-CL" dirty="0" err="1" smtClean="0">
+                <a:latin typeface="Caladea" pitchFamily="18" charset="0"/>
+              </a:rPr>
+              <a:t>Communications</a:t>
+            </a:r>
+            <a:r>
+              <a:rPr lang="es-CL" dirty="0" smtClean="0">
+                <a:latin typeface="Caladea" pitchFamily="18" charset="0"/>
+              </a:rPr>
+              <a:t> </a:t>
+            </a:r>
+            <a:r>
+              <a:rPr lang="es-CL" dirty="0" err="1" smtClean="0">
+                <a:latin typeface="Caladea" pitchFamily="18" charset="0"/>
+              </a:rPr>
+              <a:t>Letters</a:t>
+            </a:r>
+            <a:r>
+              <a:rPr lang="es-CL" dirty="0" smtClean="0">
+                <a:latin typeface="Caladea" pitchFamily="18" charset="0"/>
+              </a:rPr>
+              <a:t>, 21(4), 905-908.</a:t>
+            </a:r>
+            <a:endParaRPr lang="en-US" dirty="0">
+              <a:latin typeface="Caladea" pitchFamily="18" charset="0"/>
+            </a:endParaRPr>
+          </a:p>
+        </p:txBody>
+      </p:sp>
+    </p:spTree>
+    <p:extLst>
+      <p:ext uri="{BB962C8B-B14F-4D97-AF65-F5344CB8AC3E}">
+        <p14:creationId xmlns:p14="http://schemas.microsoft.com/office/powerpoint/2010/main" val="2642362492"/>
+      </p:ext>
+    </p:extLst>
+  </p:cSld>
+  <p:clrMapOvr>
+    <a:masterClrMapping/>
+  </p:clrMapOvr>
+  <p:timing>
+    <p:tnLst>
+      <p:par>
+        <p:cTn id="1" dur="indefinite" restart="never" nodeType="tmRoot"/>
+      </p:par>
+    </p:tnLst>
+  </p:timing>
+</p:sld>
+</file>
+
+<file path=ppt/slides/slide4.xml><?xml version="1.0" encoding="utf-8"?>
+<p:sld xmlns:a="http://schemas.openxmlformats.org/drawingml/2006/main" xmlns:r="http://schemas.openxmlformats.org/officeDocument/2006/relationships" xmlns:p="http://schemas.openxmlformats.org/presentationml/2006/main">
+  <p:cSld>
+    <p:spTree>
+      <p:nvGrpSpPr>
+        <p:cNvPr id="1" name=""/>
+        <p:cNvGrpSpPr/>
+        <p:nvPr/>
+      </p:nvGrpSpPr>
+      <p:grpSpPr>
+        <a:xfrm>
+          <a:off x="0" y="0"/>
+          <a:ext cx="0" cy="0"/>
+          <a:chOff x="0" y="0"/>
+          <a:chExt cx="0" cy="0"/>
+        </a:xfrm>
+      </p:grpSpPr>
+      <p:sp>
+        <p:nvSpPr>
+          <p:cNvPr id="2" name="Title 1"/>
+          <p:cNvSpPr>
+            <a:spLocks noGrp="1"/>
+          </p:cNvSpPr>
+          <p:nvPr>
+            <p:ph type="title"/>
+          </p:nvPr>
+        </p:nvSpPr>
+        <p:spPr/>
+        <p:txBody>
+          <a:bodyPr/>
+          <a:lstStyle/>
+          <a:p>
+            <a:r>
+              <a:rPr lang="es-CL" dirty="0" err="1" smtClean="0"/>
+              <a:t>System</a:t>
+            </a:r>
+            <a:r>
+              <a:rPr lang="es-CL" dirty="0" smtClean="0"/>
+              <a:t> </a:t>
+            </a:r>
+            <a:r>
+              <a:rPr lang="es-CL" dirty="0" err="1" smtClean="0"/>
+              <a:t>Model</a:t>
+            </a:r>
+            <a:endParaRPr lang="en-US" dirty="0"/>
+          </a:p>
+        </p:txBody>
+      </p:sp>
+      <p:sp>
+        <p:nvSpPr>
+          <p:cNvPr id="3" name="Content Placeholder 2"/>
+          <p:cNvSpPr>
+            <a:spLocks noGrp="1"/>
+          </p:cNvSpPr>
+          <p:nvPr>
+            <p:ph sz="quarter" idx="1"/>
+          </p:nvPr>
+        </p:nvSpPr>
+        <p:spPr>
+          <a:noFill/>
+        </p:spPr>
+        <p:txBody>
+          <a:bodyPr/>
+          <a:lstStyle/>
+          <a:p>
+            <a:endParaRPr lang="en-US" dirty="0"/>
+          </a:p>
+        </p:txBody>
+      </p:sp>
       <p:pic>
         <p:nvPicPr>
-          <p:cNvPr id="1027" name="Picture 3"/>
+          <p:cNvPr id="1026" name="Picture 2"/>
           <p:cNvPicPr>
             <a:picLocks noChangeAspect="1" noChangeArrowheads="1"/>
           </p:cNvPicPr>
           <p:nvPr/>
         </p:nvPicPr>
         <p:blipFill>
-          <a:blip r:embed="rId3">
+          <a:blip r:embed="rId2">
             <a:extLst>
               <a:ext uri="{28A0092B-C50C-407E-A947-70E740481C1C}">
                 <a14:useLocalDpi xmlns:a14="http://schemas.microsoft.com/office/drawing/2010/main" val="0"/>
@@ -6104,8 +7381,8 @@
         </p:blipFill>
         <p:spPr bwMode="auto">
           <a:xfrm>
-            <a:off x="1538697" y="5589240"/>
-            <a:ext cx="6000750" cy="581025"/>
+            <a:off x="344196" y="1556792"/>
+            <a:ext cx="7811579" cy="3771685"/>
           </a:xfrm>
           <a:prstGeom prst="rect">
             <a:avLst/>
@@ -6145,6 +7422,70 @@
           </a:extLst>
         </p:spPr>
       </p:pic>
+      <p:pic>
+        <p:nvPicPr>
+          <p:cNvPr id="1027" name="Picture 3"/>
+          <p:cNvPicPr>
+            <a:picLocks noChangeAspect="1" noChangeArrowheads="1"/>
+          </p:cNvPicPr>
+          <p:nvPr/>
+        </p:nvPicPr>
+        <p:blipFill>
+          <a:blip r:embed="rId3">
+            <a:extLst>
+              <a:ext uri="{28A0092B-C50C-407E-A947-70E740481C1C}">
+                <a14:useLocalDpi xmlns:a14="http://schemas.microsoft.com/office/drawing/2010/main" val="0"/>
+              </a:ext>
+            </a:extLst>
+          </a:blip>
+          <a:srcRect/>
+          <a:stretch>
+            <a:fillRect/>
+          </a:stretch>
+        </p:blipFill>
+        <p:spPr bwMode="auto">
+          <a:xfrm>
+            <a:off x="1538697" y="5589240"/>
+            <a:ext cx="6000750" cy="581025"/>
+          </a:xfrm>
+          <a:prstGeom prst="rect">
+            <a:avLst/>
+          </a:prstGeom>
+          <a:noFill/>
+          <a:ln>
+            <a:noFill/>
+          </a:ln>
+          <a:effectLst/>
+          <a:extLst>
+            <a:ext uri="{909E8E84-426E-40DD-AFC4-6F175D3DCCD1}">
+              <a14:hiddenFill xmlns:a14="http://schemas.microsoft.com/office/drawing/2010/main">
+                <a:solidFill>
+                  <a:schemeClr val="accent1"/>
+                </a:solidFill>
+              </a14:hiddenFill>
+            </a:ext>
+            <a:ext uri="{91240B29-F687-4F45-9708-019B960494DF}">
+              <a14:hiddenLine xmlns:a14="http://schemas.microsoft.com/office/drawing/2010/main" w="9525">
+                <a:solidFill>
+                  <a:schemeClr val="tx1"/>
+                </a:solidFill>
+                <a:miter lim="800000"/>
+                <a:headEnd/>
+                <a:tailEnd/>
+              </a14:hiddenLine>
+            </a:ext>
+            <a:ext uri="{AF507438-7753-43E0-B8FC-AC1667EBCBE1}">
+              <a14:hiddenEffects xmlns:a14="http://schemas.microsoft.com/office/drawing/2010/main">
+                <a:effectLst>
+                  <a:outerShdw dist="35921" dir="2700000" algn="ctr" rotWithShape="0">
+                    <a:schemeClr val="bg2"/>
+                  </a:outerShdw>
+                </a:effectLst>
+              </a14:hiddenEffects>
+            </a:ext>
+          </a:extLst>
+        </p:spPr>
+      </p:pic>
       <p:cxnSp>
         <p:nvCxnSpPr>
           <p:cNvPr id="13" name="Elbow Connector 12"/>
@@ -6395,6 +7736,162 @@
           </a:fontRef>
         </p:style>
       </p:cxnSp>
+      <p:sp>
+        <p:nvSpPr>
+          <p:cNvPr id="4" name="Oval 3"/>
+          <p:cNvSpPr/>
+          <p:nvPr/>
+        </p:nvSpPr>
+        <p:spPr>
+          <a:xfrm>
+            <a:off x="4041167" y="4077072"/>
+            <a:ext cx="720079" cy="576064"/>
+          </a:xfrm>
+          <a:prstGeom prst="ellipse">
+            <a:avLst/>
+          </a:prstGeom>
+          <a:noFill/>
+          <a:ln>
+            <a:solidFill>
+              <a:srgbClr val="FFFF00"/>
+            </a:solidFill>
+          </a:ln>
+        </p:spPr>
+        <p:style>
+          <a:lnRef idx="2">
+            <a:schemeClr val="accent1">
+              <a:shade val="50000"/>
+            </a:schemeClr>
+          </a:lnRef>
+          <a:fillRef idx="1">
+            <a:schemeClr val="accent1"/>
+          </a:fillRef>
+          <a:effectRef idx="0">
+            <a:schemeClr val="accent1"/>
+          </a:effectRef>
+          <a:fontRef idx="minor">
+            <a:schemeClr val="lt1"/>
+          </a:fontRef>
+        </p:style>
+        <p:txBody>
+          <a:bodyPr rtlCol="0" anchor="ctr"/>
+          <a:lstStyle/>
+          <a:p>
+            <a:pPr algn="ctr"/>
+            <a:endParaRPr lang="en-US"/>
+          </a:p>
+        </p:txBody>
+      </p:sp>
+      <p:pic>
+        <p:nvPicPr>
+          <p:cNvPr id="5" name="Picture 2"/>
+          <p:cNvPicPr>
+            <a:picLocks noChangeAspect="1" noChangeArrowheads="1"/>
+          </p:cNvPicPr>
+          <p:nvPr/>
+        </p:nvPicPr>
+        <p:blipFill>
+          <a:blip r:embed="rId4">
+            <a:extLst>
+              <a:ext uri="{28A0092B-C50C-407E-A947-70E740481C1C}">
+                <a14:useLocalDpi xmlns:a14="http://schemas.microsoft.com/office/drawing/2010/main" val="0"/>
+              </a:ext>
+            </a:extLst>
+          </a:blip>
+          <a:srcRect/>
+          <a:stretch>
+            <a:fillRect/>
+          </a:stretch>
+        </p:blipFill>
+        <p:spPr bwMode="auto">
+          <a:xfrm>
+            <a:off x="3941457" y="2986163"/>
+            <a:ext cx="1782672" cy="602477"/>
+          </a:xfrm>
+          <a:prstGeom prst="rect">
+            <a:avLst/>
+          </a:prstGeom>
+          <a:noFill/>
+          <a:ln>
+            <a:noFill/>
+          </a:ln>
+          <a:effectLst/>
+          <a:extLst>
+            <a:ext uri="{909E8E84-426E-40DD-AFC4-6F175D3DCCD1}">
+              <a14:hiddenFill xmlns:a14="http://schemas.microsoft.com/office/drawing/2010/main">
+                <a:solidFill>
+                  <a:schemeClr val="accent1"/>
+                </a:solidFill>
+              </a14:hiddenFill>
+            </a:ext>
+            <a:ext uri="{91240B29-F687-4F45-9708-019B960494DF}">
+              <a14:hiddenLine xmlns:a14="http://schemas.microsoft.com/office/drawing/2010/main" w="9525">
+                <a:solidFill>
+                  <a:schemeClr val="tx1"/>
+                </a:solidFill>
+                <a:miter lim="800000"/>
+                <a:headEnd/>
+                <a:tailEnd/>
+              </a14:hiddenLine>
+            </a:ext>
+            <a:ext uri="{AF507438-7753-43E0-B8FC-AC1667EBCBE1}">
+              <a14:hiddenEffects xmlns:a14="http://schemas.microsoft.com/office/drawing/2010/main">
+                <a:effectLst>
+                  <a:outerShdw dist="35921" dir="2700000" algn="ctr" rotWithShape="0">
+                    <a:schemeClr val="bg2"/>
+                  </a:outerShdw>
+                </a:effectLst>
+              </a14:hiddenEffects>
+            </a:ext>
+          </a:extLst>
+        </p:spPr>
+      </p:pic>
+      <p:sp>
+        <p:nvSpPr>
+          <p:cNvPr id="6" name="Rectangle 5"/>
+          <p:cNvSpPr/>
+          <p:nvPr/>
+        </p:nvSpPr>
+        <p:spPr>
+          <a:xfrm>
+            <a:off x="3964113" y="2986163"/>
+            <a:ext cx="1737360" cy="548640"/>
+          </a:xfrm>
+          <a:prstGeom prst="rect">
+            <a:avLst/>
+          </a:prstGeom>
+          <a:noFill/>
+          <a:ln>
+            <a:solidFill>
+              <a:srgbClr val="FFFF00"/>
+            </a:solidFill>
+          </a:ln>
+        </p:spPr>
+        <p:style>
+          <a:lnRef idx="2">
+            <a:schemeClr val="accent1">
+              <a:shade val="50000"/>
+            </a:schemeClr>
+          </a:lnRef>
+          <a:fillRef idx="1">
+            <a:schemeClr val="accent1"/>
+          </a:fillRef>
+          <a:effectRef idx="0">
+            <a:schemeClr val="accent1"/>
+          </a:effectRef>
+          <a:fontRef idx="minor">
+            <a:schemeClr val="lt1"/>
+          </a:fontRef>
+        </p:style>
+        <p:txBody>
+          <a:bodyPr rtlCol="0" anchor="ctr"/>
+          <a:lstStyle/>
+          <a:p>
+            <a:pPr algn="ctr"/>
+            <a:endParaRPr lang="en-US"/>
+          </a:p>
+        </p:txBody>
+      </p:sp>
     </p:spTree>
     <p:extLst>
       <p:ext uri="{BB962C8B-B14F-4D97-AF65-F5344CB8AC3E}">
@@ -6405,11 +7902,11 @@
   <p:clrMapOvr>
     <a:masterClrMapping/>
   </p:clrMapOvr>
-  <mc:AlternateContent xmlns:mc="http://schemas.openxmlformats.org/markup-compatibility/2006">
-    <mc:Choice xmlns:p14="http://schemas.microsoft.com/office/powerpoint/2010/main" Requires="p14">
+  <mc:AlternateContent xmlns:mc="http://schemas.openxmlformats.org/markup-compatibility/2006" xmlns:p14="http://schemas.microsoft.com/office/powerpoint/2010/main">
+    <mc:Choice Requires="p14">
       <p:transition p14:dur="0"/>
     </mc:Choice>
-    <mc:Fallback>
+    <mc:Fallback xmlns="">
       <p:transition/>
     </mc:Fallback>
   </mc:AlternateContent>
@@ -6434,7 +7931,7 @@
                             </p:stCondLst>
                             <p:childTnLst>
                               <p:par>
-                                <p:cTn id="5" presetID="1" presetClass="entr" presetSubtype="0" fill="hold" nodeType="clickEffect">
+                                <p:cTn id="5" presetID="1" presetClass="entr" presetSubtype="0" fill="hold" grpId="0" nodeType="clickEffect">
                                   <p:stCondLst>
                                     <p:cond delay="0"/>
                                   </p:stCondLst>
@@ -6447,7 +7944,7 @@
                                           </p:stCondLst>
                                         </p:cTn>
                                         <p:tgtEl>
-                                          <p:spTgt spid="1027"/>
+                                          <p:spTgt spid="4"/>
                                         </p:tgtEl>
                                         <p:attrNameLst>
                                           <p:attrName>style.visibility</p:attrName>
@@ -6479,7 +7976,7 @@
                             </p:stCondLst>
                             <p:childTnLst>
                               <p:par>
-                                <p:cTn id="9" presetID="1" presetClass="entr" presetSubtype="0" fill="hold" grpId="0" nodeType="clickEffect">
+                                <p:cTn id="9" presetID="1" presetClass="entr" presetSubtype="0" fill="hold" nodeType="clickEffect">
                                   <p:stCondLst>
                                     <p:cond delay="0"/>
                                   </p:stCondLst>
@@ -6492,7 +7989,7 @@
                                           </p:stCondLst>
                                         </p:cTn>
                                         <p:tgtEl>
-                                          <p:spTgt spid="19"/>
+                                          <p:spTgt spid="5"/>
                                         </p:tgtEl>
                                         <p:attrNameLst>
                                           <p:attrName>style.visibility</p:attrName>
@@ -6506,7 +8003,7 @@
                                 </p:cTn>
                               </p:par>
                               <p:par>
-                                <p:cTn id="11" presetID="1" presetClass="entr" presetSubtype="0" fill="hold" nodeType="withEffect">
+                                <p:cTn id="11" presetID="1" presetClass="entr" presetSubtype="0" fill="hold" grpId="0" nodeType="withEffect">
                                   <p:stCondLst>
                                     <p:cond delay="0"/>
                                   </p:stCondLst>
@@ -6519,7 +8016,7 @@
                                           </p:stCondLst>
                                         </p:cTn>
                                         <p:tgtEl>
-                                          <p:spTgt spid="13"/>
+                                          <p:spTgt spid="6"/>
                                         </p:tgtEl>
                                         <p:attrNameLst>
                                           <p:attrName>style.visibility</p:attrName>
@@ -6551,7 +8048,7 @@
                             </p:stCondLst>
                             <p:childTnLst>
                               <p:par>
-                                <p:cTn id="15" presetID="1" presetClass="entr" presetSubtype="0" fill="hold" grpId="0" nodeType="clickEffect">
+                                <p:cTn id="15" presetID="1" presetClass="entr" presetSubtype="0" fill="hold" nodeType="clickEffect">
                                   <p:stCondLst>
                                     <p:cond delay="0"/>
                                   </p:stCondLst>
@@ -6564,7 +8061,7 @@
                                           </p:stCondLst>
                                         </p:cTn>
                                         <p:tgtEl>
-                                          <p:spTgt spid="26"/>
+                                          <p:spTgt spid="1027"/>
                                         </p:tgtEl>
                                         <p:attrNameLst>
                                           <p:attrName>style.visibility</p:attrName>
@@ -6577,35 +8074,26 @@
                                   </p:childTnLst>
                                 </p:cTn>
                               </p:par>
+                            </p:childTnLst>
+                          </p:cTn>
+                        </p:par>
+                      </p:childTnLst>
+                    </p:cTn>
+                  </p:par>
+                  <p:par>
+                    <p:cTn id="17" fill="hold">
+                      <p:stCondLst>
+                        <p:cond delay="indefinite"/>
+                      </p:stCondLst>
+                      <p:childTnLst>
+                        <p:par>
+                          <p:cTn id="18" fill="hold">
+                            <p:stCondLst>
+                              <p:cond delay="0"/>
+                            </p:stCondLst>
+                            <p:childTnLst>
                               <p:par>
-                                <p:cTn id="17" presetID="1" presetClass="entr" presetSubtype="0" fill="hold" grpId="0" nodeType="withEffect">
-                                  <p:stCondLst>
-                                    <p:cond delay="0"/>
-                                  </p:stCondLst>
-                                  <p:childTnLst>
-                                    <p:set>
-                                      <p:cBhvr>
-                                        <p:cTn id="18" dur="1" fill="hold">
-                                          <p:stCondLst>
-                                            <p:cond delay="0"/>
-                                          </p:stCondLst>
-                                        </p:cTn>
-                                        <p:tgtEl>
-                                          <p:spTgt spid="29"/>
-                                        </p:tgtEl>
-                                        <p:attrNameLst>
-                                          <p:attrName>style.visibility</p:attrName>
-                                        </p:attrNameLst>
-                                      </p:cBhvr>
-                                      <p:to>
-                                        <p:strVal val="visible"/>
-                                      </p:to>
-                                    </p:set>
-                                  </p:childTnLst>
-                                </p:cTn>
-                              </p:par>
-                              <p:par>
-                                <p:cTn id="19" presetID="1" presetClass="entr" presetSubtype="0" fill="hold" nodeType="withEffect">
+                                <p:cTn id="19" presetID="1" presetClass="entr" presetSubtype="0" fill="hold" grpId="0" nodeType="clickEffect">
                                   <p:stCondLst>
                                     <p:cond delay="0"/>
                                   </p:stCondLst>
@@ -6618,7 +8106,7 @@
                                           </p:stCondLst>
                                         </p:cTn>
                                         <p:tgtEl>
-                                          <p:spTgt spid="30"/>
+                                          <p:spTgt spid="19"/>
                                         </p:tgtEl>
                                         <p:attrNameLst>
                                           <p:attrName>style.visibility</p:attrName>
@@ -6640,6 +8128,132 @@
                                     <p:set>
                                       <p:cBhvr>
                                         <p:cTn id="22" dur="1" fill="hold">
+                                          <p:stCondLst>
+                                            <p:cond delay="0"/>
+                                          </p:stCondLst>
+                                        </p:cTn>
+                                        <p:tgtEl>
+                                          <p:spTgt spid="13"/>
+                                        </p:tgtEl>
+                                        <p:attrNameLst>
+                                          <p:attrName>style.visibility</p:attrName>
+                                        </p:attrNameLst>
+                                      </p:cBhvr>
+                                      <p:to>
+                                        <p:strVal val="visible"/>
+                                      </p:to>
+                                    </p:set>
+                                  </p:childTnLst>
+                                </p:cTn>
+                              </p:par>
+                            </p:childTnLst>
+                          </p:cTn>
+                        </p:par>
+                      </p:childTnLst>
+                    </p:cTn>
+                  </p:par>
+                  <p:par>
+                    <p:cTn id="23" fill="hold">
+                      <p:stCondLst>
+                        <p:cond delay="indefinite"/>
+                      </p:stCondLst>
+                      <p:childTnLst>
+                        <p:par>
+                          <p:cTn id="24" fill="hold">
+                            <p:stCondLst>
+                              <p:cond delay="0"/>
+                            </p:stCondLst>
+                            <p:childTnLst>
+                              <p:par>
+                                <p:cTn id="25" presetID="1" presetClass="entr" presetSubtype="0" fill="hold" grpId="0" nodeType="clickEffect">
+                                  <p:stCondLst>
+                                    <p:cond delay="0"/>
+                                  </p:stCondLst>
+                                  <p:childTnLst>
+                                    <p:set>
+                                      <p:cBhvr>
+                                        <p:cTn id="26" dur="1" fill="hold">
+                                          <p:stCondLst>
+                                            <p:cond delay="0"/>
+                                          </p:stCondLst>
+                                        </p:cTn>
+                                        <p:tgtEl>
+                                          <p:spTgt spid="26"/>
+                                        </p:tgtEl>
+                                        <p:attrNameLst>
+                                          <p:attrName>style.visibility</p:attrName>
+                                        </p:attrNameLst>
+                                      </p:cBhvr>
+                                      <p:to>
+                                        <p:strVal val="visible"/>
+                                      </p:to>
+                                    </p:set>
+                                  </p:childTnLst>
+                                </p:cTn>
+                              </p:par>
+                              <p:par>
+                                <p:cTn id="27" presetID="1" presetClass="entr" presetSubtype="0" fill="hold" grpId="0" nodeType="withEffect">
+                                  <p:stCondLst>
+                                    <p:cond delay="0"/>
+                                  </p:stCondLst>
+                                  <p:childTnLst>
+                                    <p:set>
+                                      <p:cBhvr>
+                                        <p:cTn id="28" dur="1" fill="hold">
+                                          <p:stCondLst>
+                                            <p:cond delay="0"/>
+                                          </p:stCondLst>
+                                        </p:cTn>
+                                        <p:tgtEl>
+                                          <p:spTgt spid="29"/>
+                                        </p:tgtEl>
+                                        <p:attrNameLst>
+                                          <p:attrName>style.visibility</p:attrName>
+                                        </p:attrNameLst>
+                                      </p:cBhvr>
+                                      <p:to>
+                                        <p:strVal val="visible"/>
+                                      </p:to>
+                                    </p:set>
+                                  </p:childTnLst>
+                                </p:cTn>
+                              </p:par>
+                              <p:par>
+                                <p:cTn id="29" presetID="1" presetClass="entr" presetSubtype="0" fill="hold" nodeType="withEffect">
+                                  <p:stCondLst>
+                                    <p:cond delay="0"/>
+                                  </p:stCondLst>
+                                  <p:childTnLst>
+                                    <p:set>
+                                      <p:cBhvr>
+                                        <p:cTn id="30" dur="1" fill="hold">
+                                          <p:stCondLst>
+                                            <p:cond delay="0"/>
+                                          </p:stCondLst>
+                                        </p:cTn>
+                                        <p:tgtEl>
+                                          <p:spTgt spid="30"/>
+                                        </p:tgtEl>
+                                        <p:attrNameLst>
+                                          <p:attrName>style.visibility</p:attrName>
+                                        </p:attrNameLst>
+                                      </p:cBhvr>
+                                      <p:to>
+                                        <p:strVal val="visible"/>
+                                      </p:to>
+                                    </p:set>
+                                  </p:childTnLst>
+                                </p:cTn>
+                              </p:par>
+                              <p:par>
+                                <p:cTn id="31" presetID="1" presetClass="entr" presetSubtype="0" fill="hold" nodeType="withEffect">
+                                  <p:stCondLst>
+                                    <p:cond delay="0"/>
+                                  </p:stCondLst>
+                                  <p:childTnLst>
+                                    <p:set>
+                                      <p:cBhvr>
+                                        <p:cTn id="32" dur="1" fill="hold">
                                           <p:stCondLst>
                                             <p:cond delay="0"/>
                                           </p:stCondLst>
@@ -6689,7 +8303,2315 @@
       <p:bldP spid="19" grpId="0" animBg="1"/>
       <p:bldP spid="26" grpId="0" animBg="1"/>
       <p:bldP spid="29" grpId="0" animBg="1"/>
+      <p:bldP spid="4" grpId="0" animBg="1"/>
+      <p:bldP spid="6" grpId="0" animBg="1"/>
     </p:bldLst>
+  </p:timing>
+</p:sld>
+</file>
+
+<file path=ppt/slides/slide5.xml><?xml version="1.0" encoding="utf-8"?>
+<p:sld xmlns:a="http://schemas.openxmlformats.org/drawingml/2006/main" xmlns:r="http://schemas.openxmlformats.org/officeDocument/2006/relationships" xmlns:p="http://schemas.openxmlformats.org/presentationml/2006/main">
+  <p:cSld>
+    <p:spTree>
+      <p:nvGrpSpPr>
+        <p:cNvPr id="1" name=""/>
+        <p:cNvGrpSpPr/>
+        <p:nvPr/>
+      </p:nvGrpSpPr>
+      <p:grpSpPr>
+        <a:xfrm>
+          <a:off x="0" y="0"/>
+          <a:ext cx="0" cy="0"/>
+          <a:chOff x="0" y="0"/>
+          <a:chExt cx="0" cy="0"/>
+        </a:xfrm>
+      </p:grpSpPr>
+      <p:sp>
+        <p:nvSpPr>
+          <p:cNvPr id="2" name="Title 1"/>
+          <p:cNvSpPr>
+            <a:spLocks noGrp="1"/>
+          </p:cNvSpPr>
+          <p:nvPr>
+            <p:ph type="title"/>
+          </p:nvPr>
+        </p:nvSpPr>
+        <p:spPr/>
+        <p:txBody>
+          <a:bodyPr/>
+          <a:lstStyle/>
+          <a:p>
+            <a:r>
+              <a:rPr lang="en-US" dirty="0" smtClean="0"/>
+              <a:t>Results</a:t>
+            </a:r>
+            <a:endParaRPr lang="en-US" dirty="0"/>
+          </a:p>
+        </p:txBody>
+      </p:sp>
+      <p:pic>
+        <p:nvPicPr>
+          <p:cNvPr id="2050" name="Picture 2"/>
+          <p:cNvPicPr>
+            <a:picLocks noGrp="1" noChangeAspect="1" noChangeArrowheads="1"/>
+          </p:cNvPicPr>
+          <p:nvPr>
+            <p:ph sz="quarter" idx="1"/>
+          </p:nvPr>
+        </p:nvPicPr>
+        <p:blipFill>
+          <a:blip r:embed="rId2">
+            <a:extLst>
+              <a:ext uri="{28A0092B-C50C-407E-A947-70E740481C1C}">
+                <a14:useLocalDpi xmlns:a14="http://schemas.microsoft.com/office/drawing/2010/main" val="0"/>
+              </a:ext>
+            </a:extLst>
+          </a:blip>
+          <a:srcRect/>
+          <a:stretch>
+            <a:fillRect/>
+          </a:stretch>
+        </p:blipFill>
+        <p:spPr bwMode="auto">
+          <a:xfrm>
+            <a:off x="611560" y="3933056"/>
+            <a:ext cx="7467600" cy="2033463"/>
+          </a:xfrm>
+          <a:prstGeom prst="rect">
+            <a:avLst/>
+          </a:prstGeom>
+          <a:noFill/>
+          <a:ln>
+            <a:noFill/>
+          </a:ln>
+          <a:effectLst/>
+          <a:extLst>
+            <a:ext uri="{909E8E84-426E-40DD-AFC4-6F175D3DCCD1}">
+              <a14:hiddenFill xmlns:a14="http://schemas.microsoft.com/office/drawing/2010/main">
+                <a:solidFill>
+                  <a:schemeClr val="accent1"/>
+                </a:solidFill>
+              </a14:hiddenFill>
+            </a:ext>
+            <a:ext uri="{91240B29-F687-4F45-9708-019B960494DF}">
+              <a14:hiddenLine xmlns:a14="http://schemas.microsoft.com/office/drawing/2010/main" w="9525">
+                <a:solidFill>
+                  <a:schemeClr val="tx1"/>
+                </a:solidFill>
+                <a:miter lim="800000"/>
+                <a:headEnd/>
+                <a:tailEnd/>
+              </a14:hiddenLine>
+            </a:ext>
+            <a:ext uri="{AF507438-7753-43E0-B8FC-AC1667EBCBE1}">
+              <a14:hiddenEffects xmlns:a14="http://schemas.microsoft.com/office/drawing/2010/main">
+                <a:effectLst>
+                  <a:outerShdw dist="35921" dir="2700000" algn="ctr" rotWithShape="0">
+                    <a:schemeClr val="bg2"/>
+                  </a:outerShdw>
+                </a:effectLst>
+              </a14:hiddenEffects>
+            </a:ext>
+          </a:extLst>
+        </p:spPr>
+      </p:pic>
+      <p:pic>
+        <p:nvPicPr>
+          <p:cNvPr id="2051" name="Picture 3"/>
+          <p:cNvPicPr>
+            <a:picLocks noChangeAspect="1" noChangeArrowheads="1"/>
+          </p:cNvPicPr>
+          <p:nvPr/>
+        </p:nvPicPr>
+        <p:blipFill>
+          <a:blip r:embed="rId3">
+            <a:extLst>
+              <a:ext uri="{28A0092B-C50C-407E-A947-70E740481C1C}">
+                <a14:useLocalDpi xmlns:a14="http://schemas.microsoft.com/office/drawing/2010/main" val="0"/>
+              </a:ext>
+            </a:extLst>
+          </a:blip>
+          <a:srcRect/>
+          <a:stretch>
+            <a:fillRect/>
+          </a:stretch>
+        </p:blipFill>
+        <p:spPr bwMode="auto">
+          <a:xfrm>
+            <a:off x="4499992" y="908720"/>
+            <a:ext cx="3686175" cy="2933700"/>
+          </a:xfrm>
+          <a:prstGeom prst="rect">
+            <a:avLst/>
+          </a:prstGeom>
+          <a:noFill/>
+          <a:ln>
+            <a:noFill/>
+          </a:ln>
+          <a:effectLst/>
+          <a:extLst>
+            <a:ext uri="{909E8E84-426E-40DD-AFC4-6F175D3DCCD1}">
+              <a14:hiddenFill xmlns:a14="http://schemas.microsoft.com/office/drawing/2010/main">
+                <a:solidFill>
+                  <a:schemeClr val="accent1"/>
+                </a:solidFill>
+              </a14:hiddenFill>
+            </a:ext>
+            <a:ext uri="{91240B29-F687-4F45-9708-019B960494DF}">
+              <a14:hiddenLine xmlns:a14="http://schemas.microsoft.com/office/drawing/2010/main" w="9525">
+                <a:solidFill>
+                  <a:schemeClr val="tx1"/>
+                </a:solidFill>
+                <a:miter lim="800000"/>
+                <a:headEnd/>
+                <a:tailEnd/>
+              </a14:hiddenLine>
+            </a:ext>
+            <a:ext uri="{AF507438-7753-43E0-B8FC-AC1667EBCBE1}">
+              <a14:hiddenEffects xmlns:a14="http://schemas.microsoft.com/office/drawing/2010/main">
+                <a:effectLst>
+                  <a:outerShdw dist="35921" dir="2700000" algn="ctr" rotWithShape="0">
+                    <a:schemeClr val="bg2"/>
+                  </a:outerShdw>
+                </a:effectLst>
+              </a14:hiddenEffects>
+            </a:ext>
+          </a:extLst>
+        </p:spPr>
+      </p:pic>
+      <mc:AlternateContent xmlns:mc="http://schemas.openxmlformats.org/markup-compatibility/2006" xmlns:a14="http://schemas.microsoft.com/office/drawing/2010/main">
+        <mc:Choice Requires="a14">
+          <p:sp>
+            <p:nvSpPr>
+              <p:cNvPr id="6" name="Content Placeholder 2"/>
+              <p:cNvSpPr txBox="1">
+                <a:spLocks/>
+              </p:cNvSpPr>
+              <p:nvPr/>
+            </p:nvSpPr>
+            <p:spPr>
+              <a:xfrm>
+                <a:off x="683568" y="1600200"/>
+                <a:ext cx="3816424" cy="2242220"/>
+              </a:xfrm>
+              <a:prstGeom prst="rect">
+                <a:avLst/>
+              </a:prstGeom>
+            </p:spPr>
+            <p:txBody>
+              <a:bodyPr vert="horz">
+                <a:normAutofit/>
+              </a:bodyPr>
+              <a:lstStyle>
+                <a:lvl1pPr marL="274320" indent="-274320" algn="l" rtl="0" eaLnBrk="1" latinLnBrk="0" hangingPunct="1">
+                  <a:spcBef>
+                    <a:spcPts val="600"/>
+                  </a:spcBef>
+                  <a:buClr>
+                    <a:schemeClr val="accent1"/>
+                  </a:buClr>
+                  <a:buSzPct val="70000"/>
+                  <a:buFont typeface="Wingdings"/>
+                  <a:buChar char=""/>
+                  <a:defRPr kumimoji="0" sz="2400" kern="1200">
+                    <a:solidFill>
+                      <a:schemeClr val="tx1"/>
+                    </a:solidFill>
+                    <a:latin typeface="+mn-lt"/>
+                    <a:ea typeface="+mn-ea"/>
+                    <a:cs typeface="+mn-cs"/>
+                  </a:defRPr>
+                </a:lvl1pPr>
+                <a:lvl2pPr marL="640080" indent="-274320" algn="l" rtl="0" eaLnBrk="1" latinLnBrk="0" hangingPunct="1">
+                  <a:spcBef>
+                    <a:spcPct val="20000"/>
+                  </a:spcBef>
+                  <a:buClr>
+                    <a:schemeClr val="accent1"/>
+                  </a:buClr>
+                  <a:buSzPct val="80000"/>
+                  <a:buFont typeface="Wingdings 2"/>
+                  <a:buChar char=""/>
+                  <a:defRPr kumimoji="0" sz="2100" kern="1200">
+                    <a:solidFill>
+                      <a:schemeClr val="tx1"/>
+                    </a:solidFill>
+                    <a:latin typeface="+mn-lt"/>
+                    <a:ea typeface="+mn-ea"/>
+                    <a:cs typeface="+mn-cs"/>
+                  </a:defRPr>
+                </a:lvl2pPr>
+                <a:lvl3pPr marL="914400" indent="-182880" algn="l" rtl="0" eaLnBrk="1" latinLnBrk="0" hangingPunct="1">
+                  <a:spcBef>
+                    <a:spcPct val="20000"/>
+                  </a:spcBef>
+                  <a:buClr>
+                    <a:schemeClr val="accent1">
+                      <a:shade val="75000"/>
+                    </a:schemeClr>
+                  </a:buClr>
+                  <a:buSzPct val="60000"/>
+                  <a:buFont typeface="Wingdings"/>
+                  <a:buChar char=""/>
+                  <a:defRPr kumimoji="0" sz="1800" kern="1200">
+                    <a:solidFill>
+                      <a:schemeClr val="tx1"/>
+                    </a:solidFill>
+                    <a:latin typeface="+mn-lt"/>
+                    <a:ea typeface="+mn-ea"/>
+                    <a:cs typeface="+mn-cs"/>
+                  </a:defRPr>
+                </a:lvl3pPr>
+                <a:lvl4pPr marL="1188720" indent="-182880" algn="l" rtl="0" eaLnBrk="1" latinLnBrk="0" hangingPunct="1">
+                  <a:spcBef>
+                    <a:spcPct val="20000"/>
+                  </a:spcBef>
+                  <a:buClr>
+                    <a:schemeClr val="accent1">
+                      <a:tint val="60000"/>
+                    </a:schemeClr>
+                  </a:buClr>
+                  <a:buSzPct val="60000"/>
+                  <a:buFont typeface="Wingdings"/>
+                  <a:buChar char=""/>
+                  <a:defRPr kumimoji="0" sz="1800" kern="1200">
+                    <a:solidFill>
+                      <a:schemeClr val="tx1"/>
+                    </a:solidFill>
+                    <a:latin typeface="+mn-lt"/>
+                    <a:ea typeface="+mn-ea"/>
+                    <a:cs typeface="+mn-cs"/>
+                  </a:defRPr>
+                </a:lvl4pPr>
+                <a:lvl5pPr marL="1463040" indent="-182880" algn="l" rtl="0" eaLnBrk="1" latinLnBrk="0" hangingPunct="1">
+                  <a:spcBef>
+                    <a:spcPct val="20000"/>
+                  </a:spcBef>
+                  <a:buClr>
+                    <a:schemeClr val="accent2">
+                      <a:tint val="60000"/>
+                    </a:schemeClr>
+                  </a:buClr>
+                  <a:buSzPct val="68000"/>
+                  <a:buFont typeface="Wingdings 2"/>
+                  <a:buChar char=""/>
+                  <a:defRPr kumimoji="0" sz="1600" kern="1200">
+                    <a:solidFill>
+                      <a:schemeClr val="tx1"/>
+                    </a:solidFill>
+                    <a:latin typeface="+mn-lt"/>
+                    <a:ea typeface="+mn-ea"/>
+                    <a:cs typeface="+mn-cs"/>
+                  </a:defRPr>
+                </a:lvl5pPr>
+                <a:lvl6pPr marL="1737360" indent="-182880" algn="l" rtl="0" eaLnBrk="1" latinLnBrk="0" hangingPunct="1">
+                  <a:spcBef>
+                    <a:spcPct val="20000"/>
+                  </a:spcBef>
+                  <a:buClr>
+                    <a:schemeClr val="accent1"/>
+                  </a:buClr>
+                  <a:buChar char="•"/>
+                  <a:defRPr kumimoji="0" sz="1600" kern="1200">
+                    <a:solidFill>
+                      <a:schemeClr val="tx2"/>
+                    </a:solidFill>
+                    <a:latin typeface="+mn-lt"/>
+                    <a:ea typeface="+mn-ea"/>
+                    <a:cs typeface="+mn-cs"/>
+                  </a:defRPr>
+                </a:lvl6pPr>
+                <a:lvl7pPr marL="2011680" indent="-182880" algn="l" rtl="0" eaLnBrk="1" latinLnBrk="0" hangingPunct="1">
+                  <a:spcBef>
+                    <a:spcPct val="20000"/>
+                  </a:spcBef>
+                  <a:buClr>
+                    <a:schemeClr val="accent1">
+                      <a:tint val="60000"/>
+                    </a:schemeClr>
+                  </a:buClr>
+                  <a:buSzPct val="60000"/>
+                  <a:buFont typeface="Wingdings"/>
+                  <a:buChar char=""/>
+                  <a:defRPr kumimoji="0" sz="1400" kern="1200" baseline="0">
+                    <a:solidFill>
+                      <a:schemeClr val="tx2"/>
+                    </a:solidFill>
+                    <a:latin typeface="+mn-lt"/>
+                    <a:ea typeface="+mn-ea"/>
+                    <a:cs typeface="+mn-cs"/>
+                  </a:defRPr>
+                </a:lvl7pPr>
+                <a:lvl8pPr marL="2286000" indent="-182880" algn="l" rtl="0" eaLnBrk="1" latinLnBrk="0" hangingPunct="1">
+                  <a:spcBef>
+                    <a:spcPct val="20000"/>
+                  </a:spcBef>
+                  <a:buClr>
+                    <a:schemeClr val="accent2"/>
+                  </a:buClr>
+                  <a:buChar char="•"/>
+                  <a:defRPr kumimoji="0" sz="1400" kern="1200" cap="small" baseline="0">
+                    <a:solidFill>
+                      <a:schemeClr val="tx2"/>
+                    </a:solidFill>
+                    <a:latin typeface="+mn-lt"/>
+                    <a:ea typeface="+mn-ea"/>
+                    <a:cs typeface="+mn-cs"/>
+                  </a:defRPr>
+                </a:lvl8pPr>
+                <a:lvl9pPr marL="2560320" indent="-182880" algn="l" rtl="0" eaLnBrk="1" latinLnBrk="0" hangingPunct="1">
+                  <a:spcBef>
+                    <a:spcPct val="20000"/>
+                  </a:spcBef>
+                  <a:buClr>
+                    <a:schemeClr val="accent1">
+                      <a:shade val="75000"/>
+                    </a:schemeClr>
+                  </a:buClr>
+                  <a:buChar char="•"/>
+                  <a:defRPr kumimoji="0" sz="1400" kern="1200" baseline="0">
+                    <a:solidFill>
+                      <a:schemeClr val="tx2"/>
+                    </a:solidFill>
+                    <a:latin typeface="+mn-lt"/>
+                    <a:ea typeface="+mn-ea"/>
+                    <a:cs typeface="+mn-cs"/>
+                  </a:defRPr>
+                </a:lvl9pPr>
+              </a:lstStyle>
+              <a:p>
+                <a:r>
+                  <a:rPr lang="es-CL" sz="2000" dirty="0" smtClean="0">
+                    <a:latin typeface="Caladea" pitchFamily="18" charset="0"/>
+                  </a:rPr>
+                  <a:t>How </a:t>
+                </a:r>
+                <a:r>
+                  <a:rPr lang="es-CL" sz="2000" dirty="0" err="1" smtClean="0">
+                    <a:latin typeface="Caladea" pitchFamily="18" charset="0"/>
+                  </a:rPr>
+                  <a:t>optimal</a:t>
+                </a:r>
+                <a:r>
+                  <a:rPr lang="es-CL" sz="2000" dirty="0">
+                    <a:latin typeface="Caladea" pitchFamily="18" charset="0"/>
+                  </a:rPr>
+                  <a:t> </a:t>
+                </a:r>
+                <a:r>
+                  <a:rPr lang="es-CL" sz="2000" dirty="0" smtClean="0">
+                    <a:latin typeface="Caladea" pitchFamily="18" charset="0"/>
+                  </a:rPr>
+                  <a:t> </a:t>
+                </a:r>
+                <a14:m>
+                  <m:oMath xmlns:m="http://schemas.openxmlformats.org/officeDocument/2006/math">
+                    <m:r>
+                      <a:rPr lang="en-US" sz="2000" b="0" i="1" smtClean="0">
+                        <a:latin typeface="Cambria Math"/>
+                      </a:rPr>
+                      <m:t>𝛽</m:t>
+                    </m:r>
+                  </m:oMath>
+                </a14:m>
+                <a:r>
+                  <a:rPr lang="es-CL" sz="2000" dirty="0" smtClean="0">
+                    <a:latin typeface="Caladea" pitchFamily="18" charset="0"/>
+                  </a:rPr>
+                  <a:t> </a:t>
+                </a:r>
+                <a:r>
+                  <a:rPr lang="es-CL" sz="2000" dirty="0" err="1" smtClean="0">
+                    <a:latin typeface="Caladea" pitchFamily="18" charset="0"/>
+                  </a:rPr>
+                  <a:t>was</a:t>
+                </a:r>
+                <a:r>
+                  <a:rPr lang="es-CL" sz="2000" dirty="0" smtClean="0">
+                    <a:latin typeface="Caladea" pitchFamily="18" charset="0"/>
+                  </a:rPr>
+                  <a:t> </a:t>
+                </a:r>
+                <a:r>
+                  <a:rPr lang="es-CL" sz="2000" dirty="0" err="1" smtClean="0">
+                    <a:latin typeface="Caladea" pitchFamily="18" charset="0"/>
+                  </a:rPr>
+                  <a:t>founded</a:t>
+                </a:r>
+                <a:r>
+                  <a:rPr lang="es-CL" sz="2000" dirty="0" smtClean="0">
+                    <a:latin typeface="Caladea" pitchFamily="18" charset="0"/>
+                  </a:rPr>
+                  <a:t> ?</a:t>
+                </a:r>
+              </a:p>
+              <a:p>
+                <a:endParaRPr lang="es-CL" sz="2000" dirty="0">
+                  <a:latin typeface="Caladea" pitchFamily="18" charset="0"/>
+                </a:endParaRPr>
+              </a:p>
+              <a:p>
+                <a14:m>
+                  <m:oMath xmlns:m="http://schemas.openxmlformats.org/officeDocument/2006/math">
+                    <m:r>
+                      <a:rPr lang="en-US" sz="2000" b="0" i="1" smtClean="0">
+                        <a:latin typeface="Cambria Math"/>
+                      </a:rPr>
+                      <m:t>𝛽</m:t>
+                    </m:r>
+                    <m:r>
+                      <a:rPr lang="en-US" sz="2000" b="0" i="0" smtClean="0">
+                        <a:latin typeface="Cambria Math"/>
+                      </a:rPr>
+                      <m:t>={</m:t>
+                    </m:r>
+                  </m:oMath>
+                </a14:m>
+                <a:r>
+                  <a:rPr lang="es-CL" sz="2000" dirty="0" smtClean="0">
+                    <a:latin typeface="Caladea" pitchFamily="18" charset="0"/>
+                  </a:rPr>
+                  <a:t>0.5, 1}</a:t>
+                </a:r>
+              </a:p>
+              <a:p>
+                <a14:m>
+                  <m:oMath xmlns:m="http://schemas.openxmlformats.org/officeDocument/2006/math">
+                    <m:r>
+                      <a:rPr lang="en-US" sz="2000" b="0" i="1" smtClean="0">
+                        <a:latin typeface="Cambria Math"/>
+                      </a:rPr>
+                      <m:t>𝛽</m:t>
+                    </m:r>
+                    <m:r>
+                      <a:rPr lang="en-US" sz="2000" b="0" i="1" smtClean="0">
+                        <a:latin typeface="Cambria Math"/>
+                      </a:rPr>
+                      <m:t>=0.1</m:t>
+                    </m:r>
+                  </m:oMath>
+                </a14:m>
+                <a:endParaRPr lang="es-CL" sz="2000" dirty="0" smtClean="0">
+                  <a:latin typeface="Caladea" pitchFamily="18" charset="0"/>
+                </a:endParaRPr>
+              </a:p>
+              <a:p>
+                <a:pPr marL="0" indent="0">
+                  <a:buFont typeface="Wingdings"/>
+                  <a:buNone/>
+                </a:pPr>
+                <a:endParaRPr lang="es-CL" sz="2000" dirty="0" smtClean="0">
+                  <a:latin typeface="Caladea" pitchFamily="18" charset="0"/>
+                </a:endParaRPr>
+              </a:p>
+              <a:p>
+                <a:endParaRPr lang="en-US" b="1" dirty="0">
+                  <a:latin typeface="Caladea" pitchFamily="18" charset="0"/>
+                </a:endParaRPr>
+              </a:p>
+            </p:txBody>
+          </p:sp>
+        </mc:Choice>
+        <mc:Fallback xmlns="">
+          <p:sp>
+            <p:nvSpPr>
+              <p:cNvPr id="6" name="Content Placeholder 2"/>
+              <p:cNvSpPr txBox="1">
+                <a:spLocks noRot="1" noChangeAspect="1" noMove="1" noResize="1" noEditPoints="1" noAdjustHandles="1" noChangeArrowheads="1" noChangeShapeType="1" noTextEdit="1"/>
+              </p:cNvSpPr>
+              <p:nvPr/>
+            </p:nvSpPr>
+            <p:spPr>
+              <a:xfrm>
+                <a:off x="683568" y="1600200"/>
+                <a:ext cx="3816424" cy="2242220"/>
+              </a:xfrm>
+              <a:prstGeom prst="rect">
+                <a:avLst/>
+              </a:prstGeom>
+              <a:blipFill rotWithShape="1">
+                <a:blip r:embed="rId4"/>
+                <a:stretch>
+                  <a:fillRect l="-1597" t="-1362" r="-1118" b="-11444"/>
+                </a:stretch>
+              </a:blipFill>
+            </p:spPr>
+            <p:txBody>
+              <a:bodyPr/>
+              <a:lstStyle/>
+              <a:p>
+                <a:r>
+                  <a:rPr lang="en-US">
+                    <a:noFill/>
+                  </a:rPr>
+                  <a:t> </a:t>
+                </a:r>
+              </a:p>
+            </p:txBody>
+          </p:sp>
+        </mc:Fallback>
+      </mc:AlternateContent>
+    </p:spTree>
+    <p:extLst>
+      <p:ext uri="{BB962C8B-B14F-4D97-AF65-F5344CB8AC3E}">
+        <p14:creationId xmlns:p14="http://schemas.microsoft.com/office/powerpoint/2010/main" val="3966325562"/>
+      </p:ext>
+    </p:extLst>
+  </p:cSld>
+  <p:clrMapOvr>
+    <a:masterClrMapping/>
+  </p:clrMapOvr>
+  <p:timing>
+    <p:tnLst>
+      <p:par>
+        <p:cTn id="1" dur="indefinite" restart="never" nodeType="tmRoot">
+          <p:childTnLst>
+            <p:seq concurrent="1" nextAc="seek">
+              <p:cTn id="2" dur="indefinite" nodeType="mainSeq">
+                <p:childTnLst>
+                  <p:par>
+                    <p:cTn id="3" fill="hold">
+                      <p:stCondLst>
+                        <p:cond delay="indefinite"/>
+                      </p:stCondLst>
+                      <p:childTnLst>
+                        <p:par>
+                          <p:cTn id="4" fill="hold">
+                            <p:stCondLst>
+                              <p:cond delay="0"/>
+                            </p:stCondLst>
+                            <p:childTnLst>
+                              <p:par>
+                                <p:cTn id="5" presetID="1" presetClass="entr" presetSubtype="0" fill="hold" grpId="0" nodeType="clickEffect">
+                                  <p:stCondLst>
+                                    <p:cond delay="0"/>
+                                  </p:stCondLst>
+                                  <p:childTnLst>
+                                    <p:set>
+                                      <p:cBhvr>
+                                        <p:cTn id="6" dur="1" fill="hold">
+                                          <p:stCondLst>
+                                            <p:cond delay="0"/>
+                                          </p:stCondLst>
+                                        </p:cTn>
+                                        <p:tgtEl>
+                                          <p:spTgt spid="6"/>
+                                        </p:tgtEl>
+                                        <p:attrNameLst>
+                                          <p:attrName>style.visibility</p:attrName>
+                                        </p:attrNameLst>
+                                      </p:cBhvr>
+                                      <p:to>
+                                        <p:strVal val="visible"/>
+                                      </p:to>
+                                    </p:set>
+                                  </p:childTnLst>
+                                </p:cTn>
+                              </p:par>
+                            </p:childTnLst>
+                          </p:cTn>
+                        </p:par>
+                      </p:childTnLst>
+                    </p:cTn>
+                  </p:par>
+                </p:childTnLst>
+              </p:cTn>
+              <p:prevCondLst>
+                <p:cond evt="onPrev" delay="0">
+                  <p:tgtEl>
+                    <p:sldTgt/>
+                  </p:tgtEl>
+                </p:cond>
+              </p:prevCondLst>
+              <p:nextCondLst>
+                <p:cond evt="onNext" delay="0">
+                  <p:tgtEl>
+                    <p:sldTgt/>
+                  </p:tgtEl>
+                </p:cond>
+              </p:nextCondLst>
+            </p:seq>
+          </p:childTnLst>
+        </p:cTn>
+      </p:par>
+    </p:tnLst>
+    <p:bldLst>
+      <p:bldP spid="6" grpId="0"/>
+    </p:bldLst>
+  </p:timing>
+</p:sld>
+</file>
+
+<file path=ppt/slides/slide6.xml><?xml version="1.0" encoding="utf-8"?>
+<p:sld xmlns:a="http://schemas.openxmlformats.org/drawingml/2006/main" xmlns:r="http://schemas.openxmlformats.org/officeDocument/2006/relationships" xmlns:p="http://schemas.openxmlformats.org/presentationml/2006/main">
+  <p:cSld>
+    <p:spTree>
+      <p:nvGrpSpPr>
+        <p:cNvPr id="1" name=""/>
+        <p:cNvGrpSpPr/>
+        <p:nvPr/>
+      </p:nvGrpSpPr>
+      <p:grpSpPr>
+        <a:xfrm>
+          <a:off x="0" y="0"/>
+          <a:ext cx="0" cy="0"/>
+          <a:chOff x="0" y="0"/>
+          <a:chExt cx="0" cy="0"/>
+        </a:xfrm>
+      </p:grpSpPr>
+      <p:sp>
+        <p:nvSpPr>
+          <p:cNvPr id="2" name="Title 1"/>
+          <p:cNvSpPr>
+            <a:spLocks noGrp="1"/>
+          </p:cNvSpPr>
+          <p:nvPr>
+            <p:ph type="title"/>
+          </p:nvPr>
+        </p:nvSpPr>
+        <p:spPr/>
+        <p:txBody>
+          <a:bodyPr/>
+          <a:lstStyle/>
+          <a:p>
+            <a:r>
+              <a:rPr lang="en-US" dirty="0" smtClean="0"/>
+              <a:t>Drawbacks</a:t>
+            </a:r>
+            <a:endParaRPr lang="en-US" dirty="0"/>
+          </a:p>
+        </p:txBody>
+      </p:sp>
+      <mc:AlternateContent xmlns:mc="http://schemas.openxmlformats.org/markup-compatibility/2006" xmlns:a14="http://schemas.microsoft.com/office/drawing/2010/main">
+        <mc:Choice Requires="a14">
+          <p:sp>
+            <p:nvSpPr>
+              <p:cNvPr id="3" name="Content Placeholder 2"/>
+              <p:cNvSpPr>
+                <a:spLocks noGrp="1"/>
+              </p:cNvSpPr>
+              <p:nvPr>
+                <p:ph sz="quarter" idx="1"/>
+              </p:nvPr>
+            </p:nvSpPr>
+            <p:spPr/>
+            <p:txBody>
+              <a:bodyPr/>
+              <a:lstStyle/>
+              <a:p>
+                <a:r>
+                  <a:rPr lang="en-US" sz="2000" dirty="0" smtClean="0"/>
+                  <a:t>Finally, it looks like the optimal value of </a:t>
+                </a:r>
+                <a14:m>
+                  <m:oMath xmlns:m="http://schemas.openxmlformats.org/officeDocument/2006/math">
+                    <m:r>
+                      <a:rPr lang="en-US" sz="2000" b="0" i="1" smtClean="0">
+                        <a:latin typeface="Cambria Math"/>
+                      </a:rPr>
+                      <m:t>𝛽</m:t>
+                    </m:r>
+                  </m:oMath>
+                </a14:m>
+                <a:r>
+                  <a:rPr lang="en-US" sz="2000" dirty="0" smtClean="0"/>
+                  <a:t> was founded empirically. </a:t>
+                </a:r>
+              </a:p>
+              <a:p>
+                <a:endParaRPr lang="en-US" sz="2000" dirty="0" smtClean="0"/>
+              </a:p>
+              <a:p>
+                <a:r>
+                  <a:rPr lang="en-US" sz="2000" dirty="0" smtClean="0"/>
+                  <a:t>Not knowledge about the relation between PAPR and SER.</a:t>
+                </a:r>
+                <a:endParaRPr lang="en-US" sz="2000" dirty="0"/>
+              </a:p>
+              <a:p>
+                <a:endParaRPr lang="en-US" sz="2000" dirty="0" smtClean="0"/>
+              </a:p>
+              <a:p>
+                <a:endParaRPr lang="en-US" sz="2000" dirty="0"/>
+              </a:p>
+              <a:p>
+                <a:r>
+                  <a:rPr lang="en-US" sz="2000" dirty="0" smtClean="0"/>
+                  <a:t>The analysis of the frequency response was not </a:t>
+                </a:r>
+                <a:r>
+                  <a:rPr lang="en-US" sz="2000" dirty="0" err="1" smtClean="0"/>
+                  <a:t>acomplished</a:t>
+                </a:r>
+                <a:r>
+                  <a:rPr lang="en-US" dirty="0" smtClean="0"/>
+                  <a:t>. </a:t>
+                </a:r>
+                <a:endParaRPr lang="en-US" dirty="0"/>
+              </a:p>
+            </p:txBody>
+          </p:sp>
+        </mc:Choice>
+        <mc:Fallback xmlns="">
+          <p:sp>
+            <p:nvSpPr>
+              <p:cNvPr id="3" name="Content Placeholder 2"/>
+              <p:cNvSpPr>
+                <a:spLocks noGrp="1" noRot="1" noChangeAspect="1" noMove="1" noResize="1" noEditPoints="1" noAdjustHandles="1" noChangeArrowheads="1" noChangeShapeType="1" noTextEdit="1"/>
+              </p:cNvSpPr>
+              <p:nvPr>
+                <p:ph sz="quarter" idx="1"/>
+              </p:nvPr>
+            </p:nvSpPr>
+            <p:spPr>
+              <a:blipFill rotWithShape="1">
+                <a:blip r:embed="rId4"/>
+                <a:stretch>
+                  <a:fillRect t="-626" r="-653"/>
+                </a:stretch>
+              </a:blipFill>
+            </p:spPr>
+            <p:txBody>
+              <a:bodyPr/>
+              <a:lstStyle/>
+              <a:p>
+                <a:r>
+                  <a:rPr lang="en-US">
+                    <a:noFill/>
+                  </a:rPr>
+                  <a:t> </a:t>
+                </a:r>
+              </a:p>
+            </p:txBody>
+          </p:sp>
+        </mc:Fallback>
+      </mc:AlternateContent>
+      <p:cxnSp>
+        <p:nvCxnSpPr>
+          <p:cNvPr id="5" name="Straight Arrow Connector 4"/>
+          <p:cNvCxnSpPr/>
+          <p:nvPr/>
+        </p:nvCxnSpPr>
+        <p:spPr>
+          <a:xfrm flipH="1">
+            <a:off x="2339752" y="2132856"/>
+            <a:ext cx="216024" cy="0"/>
+          </a:xfrm>
+          <a:prstGeom prst="straightConnector1">
+            <a:avLst/>
+          </a:prstGeom>
+          <a:ln>
+            <a:solidFill>
+              <a:schemeClr val="tx1"/>
+            </a:solidFill>
+            <a:tailEnd type="arrow"/>
+          </a:ln>
+        </p:spPr>
+        <p:style>
+          <a:lnRef idx="1">
+            <a:schemeClr val="accent1"/>
+          </a:lnRef>
+          <a:fillRef idx="0">
+            <a:schemeClr val="accent1"/>
+          </a:fillRef>
+          <a:effectRef idx="0">
+            <a:schemeClr val="accent1"/>
+          </a:effectRef>
+          <a:fontRef idx="minor">
+            <a:schemeClr val="tx1"/>
+          </a:fontRef>
+        </p:style>
+      </p:cxnSp>
+      <p:sp>
+        <p:nvSpPr>
+          <p:cNvPr id="8" name="TextBox 7"/>
+          <p:cNvSpPr txBox="1"/>
+          <p:nvPr/>
+        </p:nvSpPr>
+        <p:spPr>
+          <a:xfrm>
+            <a:off x="2555776" y="1948190"/>
+            <a:ext cx="4248472" cy="369332"/>
+          </a:xfrm>
+          <a:prstGeom prst="rect">
+            <a:avLst/>
+          </a:prstGeom>
+          <a:noFill/>
+        </p:spPr>
+        <p:txBody>
+          <a:bodyPr wrap="square" rtlCol="0">
+            <a:spAutoFit/>
+          </a:bodyPr>
+          <a:lstStyle/>
+          <a:p>
+            <a:r>
+              <a:rPr lang="en-US" dirty="0"/>
+              <a:t>Formulation of problem (min PAPR</a:t>
+            </a:r>
+            <a:r>
+              <a:rPr lang="en-US" dirty="0" smtClean="0"/>
+              <a:t>).</a:t>
+            </a:r>
+            <a:endParaRPr lang="en-US" dirty="0"/>
+          </a:p>
+        </p:txBody>
+      </p:sp>
+      <p:cxnSp>
+        <p:nvCxnSpPr>
+          <p:cNvPr id="9" name="Straight Arrow Connector 8"/>
+          <p:cNvCxnSpPr/>
+          <p:nvPr/>
+        </p:nvCxnSpPr>
+        <p:spPr>
+          <a:xfrm flipH="1">
+            <a:off x="2441850" y="4414138"/>
+            <a:ext cx="216024" cy="0"/>
+          </a:xfrm>
+          <a:prstGeom prst="straightConnector1">
+            <a:avLst/>
+          </a:prstGeom>
+          <a:ln>
+            <a:solidFill>
+              <a:schemeClr val="tx1"/>
+            </a:solidFill>
+            <a:tailEnd type="arrow"/>
+          </a:ln>
+        </p:spPr>
+        <p:style>
+          <a:lnRef idx="1">
+            <a:schemeClr val="accent1"/>
+          </a:lnRef>
+          <a:fillRef idx="0">
+            <a:schemeClr val="accent1"/>
+          </a:fillRef>
+          <a:effectRef idx="0">
+            <a:schemeClr val="accent1"/>
+          </a:effectRef>
+          <a:fontRef idx="minor">
+            <a:schemeClr val="tx1"/>
+          </a:fontRef>
+        </p:style>
+      </p:cxnSp>
+      <p:sp>
+        <p:nvSpPr>
+          <p:cNvPr id="11" name="TextBox 10"/>
+          <p:cNvSpPr txBox="1"/>
+          <p:nvPr/>
+        </p:nvSpPr>
+        <p:spPr>
+          <a:xfrm>
+            <a:off x="2685704" y="4221088"/>
+            <a:ext cx="4868713" cy="369332"/>
+          </a:xfrm>
+          <a:prstGeom prst="rect">
+            <a:avLst/>
+          </a:prstGeom>
+          <a:noFill/>
+        </p:spPr>
+        <p:txBody>
+          <a:bodyPr wrap="square" rtlCol="0">
+            <a:spAutoFit/>
+          </a:bodyPr>
+          <a:lstStyle/>
+          <a:p>
+            <a:r>
+              <a:rPr lang="en-US" dirty="0" smtClean="0"/>
+              <a:t>The shape of the IR change every iteration</a:t>
+            </a:r>
+            <a:endParaRPr lang="en-US" dirty="0"/>
+          </a:p>
+        </p:txBody>
+      </p:sp>
+      <p:sp>
+        <p:nvSpPr>
+          <p:cNvPr id="12" name="TextBox 11"/>
+          <p:cNvSpPr txBox="1"/>
+          <p:nvPr/>
+        </p:nvSpPr>
+        <p:spPr>
+          <a:xfrm>
+            <a:off x="1259632" y="3068960"/>
+            <a:ext cx="6288496" cy="369332"/>
+          </a:xfrm>
+          <a:prstGeom prst="rect">
+            <a:avLst/>
+          </a:prstGeom>
+          <a:noFill/>
+        </p:spPr>
+        <p:txBody>
+          <a:bodyPr wrap="square" rtlCol="0">
+            <a:spAutoFit/>
+          </a:bodyPr>
+          <a:lstStyle/>
+          <a:p>
+            <a:r>
+              <a:rPr lang="en-US" dirty="0" smtClean="0"/>
+              <a:t>Decrease the magnitude of the side lobes. </a:t>
+            </a:r>
+            <a:endParaRPr lang="en-US" dirty="0"/>
+          </a:p>
+        </p:txBody>
+      </p:sp>
+      <p:cxnSp>
+        <p:nvCxnSpPr>
+          <p:cNvPr id="13" name="Straight Arrow Connector 12"/>
+          <p:cNvCxnSpPr/>
+          <p:nvPr/>
+        </p:nvCxnSpPr>
+        <p:spPr>
+          <a:xfrm flipH="1">
+            <a:off x="899592" y="3253626"/>
+            <a:ext cx="216024" cy="0"/>
+          </a:xfrm>
+          <a:prstGeom prst="straightConnector1">
+            <a:avLst/>
+          </a:prstGeom>
+          <a:ln>
+            <a:solidFill>
+              <a:schemeClr val="tx1"/>
+            </a:solidFill>
+            <a:tailEnd type="arrow"/>
+          </a:ln>
+        </p:spPr>
+        <p:style>
+          <a:lnRef idx="1">
+            <a:schemeClr val="accent1"/>
+          </a:lnRef>
+          <a:fillRef idx="0">
+            <a:schemeClr val="accent1"/>
+          </a:fillRef>
+          <a:effectRef idx="0">
+            <a:schemeClr val="accent1"/>
+          </a:effectRef>
+          <a:fontRef idx="minor">
+            <a:schemeClr val="tx1"/>
+          </a:fontRef>
+        </p:style>
+      </p:cxnSp>
+    </p:spTree>
+    <p:extLst>
+      <p:ext uri="{BB962C8B-B14F-4D97-AF65-F5344CB8AC3E}">
+        <p14:creationId xmlns:p14="http://schemas.microsoft.com/office/powerpoint/2010/main" val="467173094"/>
+      </p:ext>
+    </p:extLst>
+  </p:cSld>
+  <p:clrMapOvr>
+    <a:masterClrMapping/>
+  </p:clrMapOvr>
+  <p:timing>
+    <p:tnLst>
+      <p:par>
+        <p:cTn id="1" dur="indefinite" restart="never" nodeType="tmRoot">
+          <p:childTnLst>
+            <p:seq concurrent="1" nextAc="seek">
+              <p:cTn id="2" dur="indefinite" nodeType="mainSeq">
+                <p:childTnLst>
+                  <p:par>
+                    <p:cTn id="3" fill="hold">
+                      <p:stCondLst>
+                        <p:cond delay="indefinite"/>
+                      </p:stCondLst>
+                      <p:childTnLst>
+                        <p:par>
+                          <p:cTn id="4" fill="hold">
+                            <p:stCondLst>
+                              <p:cond delay="0"/>
+                            </p:stCondLst>
+                            <p:childTnLst>
+                              <p:par>
+                                <p:cTn id="5" presetID="1" presetClass="entr" presetSubtype="0" fill="hold" nodeType="clickEffect">
+                                  <p:stCondLst>
+                                    <p:cond delay="0"/>
+                                  </p:stCondLst>
+                                  <p:childTnLst>
+                                    <p:set>
+                                      <p:cBhvr>
+                                        <p:cTn id="6" dur="1" fill="hold">
+                                          <p:stCondLst>
+                                            <p:cond delay="0"/>
+                                          </p:stCondLst>
+                                        </p:cTn>
+                                        <p:tgtEl>
+                                          <p:spTgt spid="5"/>
+                                        </p:tgtEl>
+                                        <p:attrNameLst>
+                                          <p:attrName>style.visibility</p:attrName>
+                                        </p:attrNameLst>
+                                      </p:cBhvr>
+                                      <p:to>
+                                        <p:strVal val="visible"/>
+                                      </p:to>
+                                    </p:set>
+                                  </p:childTnLst>
+                                </p:cTn>
+                              </p:par>
+                              <p:par>
+                                <p:cTn id="7" presetID="1" presetClass="entr" presetSubtype="0" fill="hold" grpId="0" nodeType="withEffect">
+                                  <p:stCondLst>
+                                    <p:cond delay="0"/>
+                                  </p:stCondLst>
+                                  <p:childTnLst>
+                                    <p:set>
+                                      <p:cBhvr>
+                                        <p:cTn id="8" dur="1" fill="hold">
+                                          <p:stCondLst>
+                                            <p:cond delay="0"/>
+                                          </p:stCondLst>
+                                        </p:cTn>
+                                        <p:tgtEl>
+                                          <p:spTgt spid="8"/>
+                                        </p:tgtEl>
+                                        <p:attrNameLst>
+                                          <p:attrName>style.visibility</p:attrName>
+                                        </p:attrNameLst>
+                                      </p:cBhvr>
+                                      <p:to>
+                                        <p:strVal val="visible"/>
+                                      </p:to>
+                                    </p:set>
+                                  </p:childTnLst>
+                                </p:cTn>
+                              </p:par>
+                            </p:childTnLst>
+                          </p:cTn>
+                        </p:par>
+                      </p:childTnLst>
+                    </p:cTn>
+                  </p:par>
+                  <p:par>
+                    <p:cTn id="9" fill="hold">
+                      <p:stCondLst>
+                        <p:cond delay="indefinite"/>
+                      </p:stCondLst>
+                      <p:childTnLst>
+                        <p:par>
+                          <p:cTn id="10" fill="hold">
+                            <p:stCondLst>
+                              <p:cond delay="0"/>
+                            </p:stCondLst>
+                            <p:childTnLst>
+                              <p:par>
+                                <p:cTn id="11" presetID="1" presetClass="entr" presetSubtype="0" fill="hold" grpId="0" nodeType="clickEffect">
+                                  <p:stCondLst>
+                                    <p:cond delay="0"/>
+                                  </p:stCondLst>
+                                  <p:childTnLst>
+                                    <p:set>
+                                      <p:cBhvr>
+                                        <p:cTn id="12" dur="1" fill="hold">
+                                          <p:stCondLst>
+                                            <p:cond delay="0"/>
+                                          </p:stCondLst>
+                                        </p:cTn>
+                                        <p:tgtEl>
+                                          <p:spTgt spid="12"/>
+                                        </p:tgtEl>
+                                        <p:attrNameLst>
+                                          <p:attrName>style.visibility</p:attrName>
+                                        </p:attrNameLst>
+                                      </p:cBhvr>
+                                      <p:to>
+                                        <p:strVal val="visible"/>
+                                      </p:to>
+                                    </p:set>
+                                  </p:childTnLst>
+                                </p:cTn>
+                              </p:par>
+                              <p:par>
+                                <p:cTn id="13" presetID="1" presetClass="entr" presetSubtype="0" fill="hold" nodeType="withEffect">
+                                  <p:stCondLst>
+                                    <p:cond delay="0"/>
+                                  </p:stCondLst>
+                                  <p:childTnLst>
+                                    <p:set>
+                                      <p:cBhvr>
+                                        <p:cTn id="14" dur="1" fill="hold">
+                                          <p:stCondLst>
+                                            <p:cond delay="0"/>
+                                          </p:stCondLst>
+                                        </p:cTn>
+                                        <p:tgtEl>
+                                          <p:spTgt spid="13"/>
+                                        </p:tgtEl>
+                                        <p:attrNameLst>
+                                          <p:attrName>style.visibility</p:attrName>
+                                        </p:attrNameLst>
+                                      </p:cBhvr>
+                                      <p:to>
+                                        <p:strVal val="visible"/>
+                                      </p:to>
+                                    </p:set>
+                                  </p:childTnLst>
+                                </p:cTn>
+                              </p:par>
+                            </p:childTnLst>
+                          </p:cTn>
+                        </p:par>
+                      </p:childTnLst>
+                    </p:cTn>
+                  </p:par>
+                  <p:par>
+                    <p:cTn id="15" fill="hold">
+                      <p:stCondLst>
+                        <p:cond delay="indefinite"/>
+                      </p:stCondLst>
+                      <p:childTnLst>
+                        <p:par>
+                          <p:cTn id="16" fill="hold">
+                            <p:stCondLst>
+                              <p:cond delay="0"/>
+                            </p:stCondLst>
+                            <p:childTnLst>
+                              <p:par>
+                                <p:cTn id="17" presetID="1" presetClass="entr" presetSubtype="0" fill="hold" nodeType="clickEffect">
+                                  <p:stCondLst>
+                                    <p:cond delay="0"/>
+                                  </p:stCondLst>
+                                  <p:childTnLst>
+                                    <p:set>
+                                      <p:cBhvr>
+                                        <p:cTn id="18" dur="1" fill="hold">
+                                          <p:stCondLst>
+                                            <p:cond delay="0"/>
+                                          </p:stCondLst>
+                                        </p:cTn>
+                                        <p:tgtEl>
+                                          <p:spTgt spid="9"/>
+                                        </p:tgtEl>
+                                        <p:attrNameLst>
+                                          <p:attrName>style.visibility</p:attrName>
+                                        </p:attrNameLst>
+                                      </p:cBhvr>
+                                      <p:to>
+                                        <p:strVal val="visible"/>
+                                      </p:to>
+                                    </p:set>
+                                  </p:childTnLst>
+                                </p:cTn>
+                              </p:par>
+                              <p:par>
+                                <p:cTn id="19" presetID="1" presetClass="entr" presetSubtype="0" fill="hold" grpId="0" nodeType="withEffect">
+                                  <p:stCondLst>
+                                    <p:cond delay="0"/>
+                                  </p:stCondLst>
+                                  <p:childTnLst>
+                                    <p:set>
+                                      <p:cBhvr>
+                                        <p:cTn id="20" dur="1" fill="hold">
+                                          <p:stCondLst>
+                                            <p:cond delay="0"/>
+                                          </p:stCondLst>
+                                        </p:cTn>
+                                        <p:tgtEl>
+                                          <p:spTgt spid="11"/>
+                                        </p:tgtEl>
+                                        <p:attrNameLst>
+                                          <p:attrName>style.visibility</p:attrName>
+                                        </p:attrNameLst>
+                                      </p:cBhvr>
+                                      <p:to>
+                                        <p:strVal val="visible"/>
+                                      </p:to>
+                                    </p:set>
+                                  </p:childTnLst>
+                                </p:cTn>
+                              </p:par>
+                            </p:childTnLst>
+                          </p:cTn>
+                        </p:par>
+                      </p:childTnLst>
+                    </p:cTn>
+                  </p:par>
+                </p:childTnLst>
+              </p:cTn>
+              <p:prevCondLst>
+                <p:cond evt="onPrev" delay="0">
+                  <p:tgtEl>
+                    <p:sldTgt/>
+                  </p:tgtEl>
+                </p:cond>
+              </p:prevCondLst>
+              <p:nextCondLst>
+                <p:cond evt="onNext" delay="0">
+                  <p:tgtEl>
+                    <p:sldTgt/>
+                  </p:tgtEl>
+                </p:cond>
+              </p:nextCondLst>
+            </p:seq>
+          </p:childTnLst>
+        </p:cTn>
+      </p:par>
+    </p:tnLst>
+    <p:bldLst>
+      <p:bldP spid="8" grpId="0"/>
+      <p:bldP spid="11" grpId="0"/>
+      <p:bldP spid="12" grpId="0"/>
+    </p:bldLst>
+  </p:timing>
+</p:sld>
+</file>
+
+<file path=ppt/slides/slide7.xml><?xml version="1.0" encoding="utf-8"?>
+<p:sld xmlns:a="http://schemas.openxmlformats.org/drawingml/2006/main" xmlns:r="http://schemas.openxmlformats.org/officeDocument/2006/relationships" xmlns:p="http://schemas.openxmlformats.org/presentationml/2006/main">
+  <p:cSld>
+    <p:spTree>
+      <p:nvGrpSpPr>
+        <p:cNvPr id="1" name=""/>
+        <p:cNvGrpSpPr/>
+        <p:nvPr/>
+      </p:nvGrpSpPr>
+      <p:grpSpPr>
+        <a:xfrm>
+          <a:off x="0" y="0"/>
+          <a:ext cx="0" cy="0"/>
+          <a:chOff x="0" y="0"/>
+          <a:chExt cx="0" cy="0"/>
+        </a:xfrm>
+      </p:grpSpPr>
+      <p:sp>
+        <p:nvSpPr>
+          <p:cNvPr id="2" name="Title 1"/>
+          <p:cNvSpPr>
+            <a:spLocks noGrp="1"/>
+          </p:cNvSpPr>
+          <p:nvPr>
+            <p:ph type="title"/>
+          </p:nvPr>
+        </p:nvSpPr>
+        <p:spPr/>
+        <p:txBody>
+          <a:bodyPr/>
+          <a:lstStyle/>
+          <a:p>
+            <a:r>
+              <a:rPr lang="en-US" dirty="0" smtClean="0"/>
+              <a:t>Genetic Algorithms</a:t>
+            </a:r>
+            <a:endParaRPr lang="en-US" dirty="0"/>
+          </a:p>
+        </p:txBody>
+      </p:sp>
+      <p:sp>
+        <p:nvSpPr>
+          <p:cNvPr id="3" name="Content Placeholder 2"/>
+          <p:cNvSpPr>
+            <a:spLocks noGrp="1"/>
+          </p:cNvSpPr>
+          <p:nvPr>
+            <p:ph sz="quarter" idx="1"/>
+          </p:nvPr>
+        </p:nvSpPr>
+        <p:spPr/>
+        <p:txBody>
+          <a:bodyPr/>
+          <a:lstStyle/>
+          <a:p>
+            <a:r>
+              <a:rPr lang="en-US" dirty="0" smtClean="0"/>
+              <a:t> </a:t>
+            </a:r>
+            <a:r>
+              <a:rPr lang="en-US" dirty="0" err="1" smtClean="0"/>
+              <a:t>Algoritmos</a:t>
+            </a:r>
+            <a:r>
+              <a:rPr lang="en-US" dirty="0" smtClean="0"/>
+              <a:t> </a:t>
+            </a:r>
+            <a:r>
+              <a:rPr lang="en-US" dirty="0" err="1" smtClean="0"/>
+              <a:t>para</a:t>
+            </a:r>
+            <a:r>
+              <a:rPr lang="en-US" dirty="0" smtClean="0"/>
+              <a:t> </a:t>
+            </a:r>
+            <a:r>
+              <a:rPr lang="en-US" dirty="0" err="1" smtClean="0"/>
+              <a:t>solucionar</a:t>
+            </a:r>
+            <a:r>
+              <a:rPr lang="en-US" dirty="0" smtClean="0"/>
+              <a:t> </a:t>
+            </a:r>
+            <a:r>
+              <a:rPr lang="en-US" dirty="0" err="1" smtClean="0"/>
+              <a:t>problemas</a:t>
+            </a:r>
+            <a:r>
+              <a:rPr lang="en-US" dirty="0" smtClean="0"/>
+              <a:t> de </a:t>
+            </a:r>
+            <a:r>
+              <a:rPr lang="en-US" dirty="0" err="1" smtClean="0"/>
+              <a:t>optimización</a:t>
+            </a:r>
+            <a:r>
+              <a:rPr lang="en-US" dirty="0" smtClean="0"/>
+              <a:t> </a:t>
+            </a:r>
+            <a:r>
+              <a:rPr lang="en-US" dirty="0" err="1" smtClean="0"/>
+              <a:t>complejos</a:t>
+            </a:r>
+            <a:r>
+              <a:rPr lang="en-US" dirty="0" smtClean="0"/>
+              <a:t> y </a:t>
+            </a:r>
+            <a:r>
+              <a:rPr lang="en-US" dirty="0" err="1" smtClean="0"/>
+              <a:t>multidimensionales</a:t>
+            </a:r>
+            <a:r>
+              <a:rPr lang="en-US" dirty="0" smtClean="0"/>
+              <a:t>.</a:t>
+            </a:r>
+          </a:p>
+          <a:p>
+            <a:endParaRPr lang="en-US" dirty="0" smtClean="0"/>
+          </a:p>
+          <a:p>
+            <a:r>
+              <a:rPr lang="en-US" dirty="0" smtClean="0"/>
+              <a:t>Se </a:t>
+            </a:r>
+            <a:r>
+              <a:rPr lang="en-US" dirty="0" err="1" smtClean="0"/>
+              <a:t>requiere</a:t>
+            </a:r>
+            <a:r>
+              <a:rPr lang="en-US" dirty="0" smtClean="0"/>
+              <a:t>:</a:t>
+            </a:r>
+          </a:p>
+          <a:p>
+            <a:pPr lvl="1"/>
+            <a:r>
+              <a:rPr lang="en-US" dirty="0" err="1" smtClean="0"/>
+              <a:t>Una</a:t>
+            </a:r>
+            <a:r>
+              <a:rPr lang="en-US" dirty="0" smtClean="0"/>
+              <a:t> </a:t>
+            </a:r>
+            <a:r>
+              <a:rPr lang="en-US" dirty="0" err="1" smtClean="0"/>
+              <a:t>representación</a:t>
+            </a:r>
+            <a:r>
+              <a:rPr lang="en-US" dirty="0" smtClean="0"/>
+              <a:t> </a:t>
+            </a:r>
+            <a:r>
+              <a:rPr lang="en-US" dirty="0" err="1" smtClean="0"/>
+              <a:t>genética</a:t>
+            </a:r>
+            <a:r>
+              <a:rPr lang="en-US" dirty="0" smtClean="0"/>
+              <a:t> del </a:t>
+            </a:r>
+            <a:r>
+              <a:rPr lang="en-US" dirty="0" err="1" smtClean="0"/>
+              <a:t>dominio</a:t>
+            </a:r>
+            <a:r>
+              <a:rPr lang="en-US" dirty="0" smtClean="0"/>
+              <a:t> de </a:t>
+            </a:r>
+            <a:r>
+              <a:rPr lang="en-US" dirty="0" err="1" smtClean="0"/>
+              <a:t>soluciones</a:t>
+            </a:r>
+            <a:r>
+              <a:rPr lang="en-US" dirty="0" smtClean="0"/>
+              <a:t>.</a:t>
+            </a:r>
+          </a:p>
+          <a:p>
+            <a:pPr lvl="1"/>
+            <a:r>
+              <a:rPr lang="en-US" dirty="0" err="1" smtClean="0"/>
+              <a:t>Una</a:t>
+            </a:r>
+            <a:r>
+              <a:rPr lang="en-US" dirty="0" smtClean="0"/>
+              <a:t> </a:t>
+            </a:r>
+            <a:r>
+              <a:rPr lang="en-US" dirty="0" err="1" smtClean="0"/>
+              <a:t>función</a:t>
+            </a:r>
+            <a:r>
+              <a:rPr lang="en-US" dirty="0" smtClean="0"/>
+              <a:t> de fitness </a:t>
+            </a:r>
+            <a:r>
+              <a:rPr lang="en-US" dirty="0" err="1" smtClean="0"/>
+              <a:t>para</a:t>
+            </a:r>
+            <a:r>
+              <a:rPr lang="en-US" dirty="0" smtClean="0"/>
+              <a:t> </a:t>
+            </a:r>
+            <a:r>
+              <a:rPr lang="en-US" dirty="0" err="1" smtClean="0"/>
+              <a:t>evaluar</a:t>
+            </a:r>
+            <a:r>
+              <a:rPr lang="en-US" dirty="0" smtClean="0"/>
+              <a:t> la </a:t>
+            </a:r>
+            <a:r>
+              <a:rPr lang="en-US" dirty="0" err="1" smtClean="0"/>
+              <a:t>solución</a:t>
+            </a:r>
+            <a:r>
+              <a:rPr lang="en-US" dirty="0" smtClean="0"/>
+              <a:t>.</a:t>
+            </a:r>
+          </a:p>
+          <a:p>
+            <a:pPr lvl="1"/>
+            <a:endParaRPr lang="en-US" dirty="0" smtClean="0"/>
+          </a:p>
+          <a:p>
+            <a:pPr lvl="1"/>
+            <a:endParaRPr lang="en-US" dirty="0"/>
+          </a:p>
+          <a:p>
+            <a:r>
+              <a:rPr lang="en-US" dirty="0" smtClean="0"/>
+              <a:t>Video ! </a:t>
+            </a:r>
+            <a:endParaRPr lang="en-US" dirty="0" smtClean="0"/>
+          </a:p>
+          <a:p>
+            <a:endParaRPr lang="en-US" dirty="0"/>
+          </a:p>
+        </p:txBody>
+      </p:sp>
+    </p:spTree>
+    <p:extLst>
+      <p:ext uri="{BB962C8B-B14F-4D97-AF65-F5344CB8AC3E}">
+        <p14:creationId xmlns:p14="http://schemas.microsoft.com/office/powerpoint/2010/main" val="2924539714"/>
+      </p:ext>
+    </p:extLst>
+  </p:cSld>
+  <p:clrMapOvr>
+    <a:masterClrMapping/>
+  </p:clrMapOvr>
+  <p:timing>
+    <p:tnLst>
+      <p:par>
+        <p:cTn id="1" dur="indefinite" restart="never" nodeType="tmRoot"/>
+      </p:par>
+    </p:tnLst>
+  </p:timing>
+</p:sld>
+</file>
+
+<file path=ppt/slides/slide8.xml><?xml version="1.0" encoding="utf-8"?>
+<p:sld xmlns:a="http://schemas.openxmlformats.org/drawingml/2006/main" xmlns:r="http://schemas.openxmlformats.org/officeDocument/2006/relationships" xmlns:p="http://schemas.openxmlformats.org/presentationml/2006/main">
+  <p:cSld>
+    <p:spTree>
+      <p:nvGrpSpPr>
+        <p:cNvPr id="1" name=""/>
+        <p:cNvGrpSpPr/>
+        <p:nvPr/>
+      </p:nvGrpSpPr>
+      <p:grpSpPr>
+        <a:xfrm>
+          <a:off x="0" y="0"/>
+          <a:ext cx="0" cy="0"/>
+          <a:chOff x="0" y="0"/>
+          <a:chExt cx="0" cy="0"/>
+        </a:xfrm>
+      </p:grpSpPr>
+      <p:sp>
+        <p:nvSpPr>
+          <p:cNvPr id="2" name="Title 1"/>
+          <p:cNvSpPr>
+            <a:spLocks noGrp="1"/>
+          </p:cNvSpPr>
+          <p:nvPr>
+            <p:ph type="title"/>
+          </p:nvPr>
+        </p:nvSpPr>
+        <p:spPr/>
+        <p:txBody>
+          <a:bodyPr/>
+          <a:lstStyle/>
+          <a:p>
+            <a:r>
+              <a:rPr lang="en-US" dirty="0" smtClean="0"/>
+              <a:t>Genetic algorithm (2)</a:t>
+            </a:r>
+            <a:endParaRPr lang="en-US" dirty="0"/>
+          </a:p>
+        </p:txBody>
+      </p:sp>
+      <p:sp>
+        <p:nvSpPr>
+          <p:cNvPr id="3" name="Content Placeholder 2"/>
+          <p:cNvSpPr>
+            <a:spLocks noGrp="1"/>
+          </p:cNvSpPr>
+          <p:nvPr>
+            <p:ph sz="quarter" idx="1"/>
+          </p:nvPr>
+        </p:nvSpPr>
+        <p:spPr/>
+        <p:txBody>
+          <a:bodyPr>
+            <a:normAutofit/>
+          </a:bodyPr>
+          <a:lstStyle/>
+          <a:p>
+            <a:r>
+              <a:rPr lang="en-US" sz="1800" dirty="0" smtClean="0"/>
+              <a:t>Selection</a:t>
+            </a:r>
+          </a:p>
+          <a:p>
+            <a:pPr lvl="1"/>
+            <a:r>
+              <a:rPr lang="en-US" sz="1800" dirty="0" smtClean="0"/>
+              <a:t>Retain the best subjects from one generation to the next</a:t>
+            </a:r>
+          </a:p>
+          <a:p>
+            <a:pPr lvl="2"/>
+            <a:endParaRPr lang="en-US" sz="1600" dirty="0" smtClean="0"/>
+          </a:p>
+          <a:p>
+            <a:endParaRPr lang="en-US" sz="1800" dirty="0" smtClean="0"/>
+          </a:p>
+          <a:p>
+            <a:r>
+              <a:rPr lang="en-US" sz="1800" dirty="0" smtClean="0"/>
+              <a:t>Crossover:</a:t>
+            </a:r>
+          </a:p>
+          <a:p>
+            <a:pPr lvl="1"/>
+            <a:endParaRPr lang="en-US" sz="1600" dirty="0" smtClean="0"/>
+          </a:p>
+          <a:p>
+            <a:pPr lvl="1"/>
+            <a:endParaRPr lang="en-US" sz="1600" dirty="0"/>
+          </a:p>
+          <a:p>
+            <a:pPr lvl="1"/>
+            <a:endParaRPr lang="en-US" sz="1600" dirty="0" smtClean="0"/>
+          </a:p>
+          <a:p>
+            <a:pPr lvl="1"/>
+            <a:endParaRPr lang="en-US" sz="1600" dirty="0" smtClean="0"/>
+          </a:p>
+          <a:p>
+            <a:r>
+              <a:rPr lang="en-US" sz="1800" dirty="0" smtClean="0"/>
+              <a:t>Mutation:</a:t>
+            </a:r>
+            <a:endParaRPr lang="en-US" sz="1800" dirty="0"/>
+          </a:p>
+        </p:txBody>
+      </p:sp>
+      <p:pic>
+        <p:nvPicPr>
+          <p:cNvPr id="3074" name="Picture 2"/>
+          <p:cNvPicPr>
+            <a:picLocks noChangeAspect="1" noChangeArrowheads="1"/>
+          </p:cNvPicPr>
+          <p:nvPr/>
+        </p:nvPicPr>
+        <p:blipFill>
+          <a:blip r:embed="rId2">
+            <a:extLst>
+              <a:ext uri="{28A0092B-C50C-407E-A947-70E740481C1C}">
+                <a14:useLocalDpi xmlns:a14="http://schemas.microsoft.com/office/drawing/2010/main" val="0"/>
+              </a:ext>
+            </a:extLst>
+          </a:blip>
+          <a:srcRect/>
+          <a:stretch>
+            <a:fillRect/>
+          </a:stretch>
+        </p:blipFill>
+        <p:spPr bwMode="auto">
+          <a:xfrm>
+            <a:off x="2919212" y="3047933"/>
+            <a:ext cx="3019794" cy="1396371"/>
+          </a:xfrm>
+          <a:prstGeom prst="rect">
+            <a:avLst/>
+          </a:prstGeom>
+          <a:noFill/>
+          <a:ln>
+            <a:noFill/>
+          </a:ln>
+          <a:effectLst/>
+          <a:extLst>
+            <a:ext uri="{909E8E84-426E-40DD-AFC4-6F175D3DCCD1}">
+              <a14:hiddenFill xmlns:a14="http://schemas.microsoft.com/office/drawing/2010/main">
+                <a:solidFill>
+                  <a:schemeClr val="accent1"/>
+                </a:solidFill>
+              </a14:hiddenFill>
+            </a:ext>
+            <a:ext uri="{91240B29-F687-4F45-9708-019B960494DF}">
+              <a14:hiddenLine xmlns:a14="http://schemas.microsoft.com/office/drawing/2010/main" w="9525">
+                <a:solidFill>
+                  <a:schemeClr val="tx1"/>
+                </a:solidFill>
+                <a:miter lim="800000"/>
+                <a:headEnd/>
+                <a:tailEnd/>
+              </a14:hiddenLine>
+            </a:ext>
+            <a:ext uri="{AF507438-7753-43E0-B8FC-AC1667EBCBE1}">
+              <a14:hiddenEffects xmlns:a14="http://schemas.microsoft.com/office/drawing/2010/main">
+                <a:effectLst>
+                  <a:outerShdw dist="35921" dir="2700000" algn="ctr" rotWithShape="0">
+                    <a:schemeClr val="bg2"/>
+                  </a:outerShdw>
+                </a:effectLst>
+              </a14:hiddenEffects>
+            </a:ext>
+          </a:extLst>
+        </p:spPr>
+      </p:pic>
+      <p:pic>
+        <p:nvPicPr>
+          <p:cNvPr id="3075" name="Picture 3"/>
+          <p:cNvPicPr>
+            <a:picLocks noChangeAspect="1" noChangeArrowheads="1"/>
+          </p:cNvPicPr>
+          <p:nvPr/>
+        </p:nvPicPr>
+        <p:blipFill>
+          <a:blip r:embed="rId3">
+            <a:extLst>
+              <a:ext uri="{28A0092B-C50C-407E-A947-70E740481C1C}">
+                <a14:useLocalDpi xmlns:a14="http://schemas.microsoft.com/office/drawing/2010/main" val="0"/>
+              </a:ext>
+            </a:extLst>
+          </a:blip>
+          <a:srcRect/>
+          <a:stretch>
+            <a:fillRect/>
+          </a:stretch>
+        </p:blipFill>
+        <p:spPr bwMode="auto">
+          <a:xfrm>
+            <a:off x="2267744" y="2297183"/>
+            <a:ext cx="3453952" cy="467866"/>
+          </a:xfrm>
+          <a:prstGeom prst="rect">
+            <a:avLst/>
+          </a:prstGeom>
+          <a:noFill/>
+          <a:ln>
+            <a:noFill/>
+          </a:ln>
+          <a:effectLst/>
+          <a:extLst>
+            <a:ext uri="{909E8E84-426E-40DD-AFC4-6F175D3DCCD1}">
+              <a14:hiddenFill xmlns:a14="http://schemas.microsoft.com/office/drawing/2010/main">
+                <a:solidFill>
+                  <a:schemeClr val="accent1"/>
+                </a:solidFill>
+              </a14:hiddenFill>
+            </a:ext>
+            <a:ext uri="{91240B29-F687-4F45-9708-019B960494DF}">
+              <a14:hiddenLine xmlns:a14="http://schemas.microsoft.com/office/drawing/2010/main" w="9525">
+                <a:solidFill>
+                  <a:schemeClr val="tx1"/>
+                </a:solidFill>
+                <a:miter lim="800000"/>
+                <a:headEnd/>
+                <a:tailEnd/>
+              </a14:hiddenLine>
+            </a:ext>
+            <a:ext uri="{AF507438-7753-43E0-B8FC-AC1667EBCBE1}">
+              <a14:hiddenEffects xmlns:a14="http://schemas.microsoft.com/office/drawing/2010/main">
+                <a:effectLst>
+                  <a:outerShdw dist="35921" dir="2700000" algn="ctr" rotWithShape="0">
+                    <a:schemeClr val="bg2"/>
+                  </a:outerShdw>
+                </a:effectLst>
+              </a14:hiddenEffects>
+            </a:ext>
+          </a:extLst>
+        </p:spPr>
+      </p:pic>
+      <p:pic>
+        <p:nvPicPr>
+          <p:cNvPr id="3076" name="Picture 4"/>
+          <p:cNvPicPr>
+            <a:picLocks noChangeAspect="1" noChangeArrowheads="1"/>
+          </p:cNvPicPr>
+          <p:nvPr/>
+        </p:nvPicPr>
+        <p:blipFill>
+          <a:blip r:embed="rId4">
+            <a:extLst>
+              <a:ext uri="{28A0092B-C50C-407E-A947-70E740481C1C}">
+                <a14:useLocalDpi xmlns:a14="http://schemas.microsoft.com/office/drawing/2010/main" val="0"/>
+              </a:ext>
+            </a:extLst>
+          </a:blip>
+          <a:srcRect/>
+          <a:stretch>
+            <a:fillRect/>
+          </a:stretch>
+        </p:blipFill>
+        <p:spPr bwMode="auto">
+          <a:xfrm>
+            <a:off x="3059832" y="4441730"/>
+            <a:ext cx="2266950" cy="2124075"/>
+          </a:xfrm>
+          <a:prstGeom prst="rect">
+            <a:avLst/>
+          </a:prstGeom>
+          <a:noFill/>
+          <a:ln>
+            <a:noFill/>
+          </a:ln>
+          <a:effectLst/>
+          <a:extLst>
+            <a:ext uri="{909E8E84-426E-40DD-AFC4-6F175D3DCCD1}">
+              <a14:hiddenFill xmlns:a14="http://schemas.microsoft.com/office/drawing/2010/main">
+                <a:solidFill>
+                  <a:schemeClr val="accent1"/>
+                </a:solidFill>
+              </a14:hiddenFill>
+            </a:ext>
+            <a:ext uri="{91240B29-F687-4F45-9708-019B960494DF}">
+              <a14:hiddenLine xmlns:a14="http://schemas.microsoft.com/office/drawing/2010/main" w="9525">
+                <a:solidFill>
+                  <a:schemeClr val="tx1"/>
+                </a:solidFill>
+                <a:miter lim="800000"/>
+                <a:headEnd/>
+                <a:tailEnd/>
+              </a14:hiddenLine>
+            </a:ext>
+            <a:ext uri="{AF507438-7753-43E0-B8FC-AC1667EBCBE1}">
+              <a14:hiddenEffects xmlns:a14="http://schemas.microsoft.com/office/drawing/2010/main">
+                <a:effectLst>
+                  <a:outerShdw dist="35921" dir="2700000" algn="ctr" rotWithShape="0">
+                    <a:schemeClr val="bg2"/>
+                  </a:outerShdw>
+                </a:effectLst>
+              </a14:hiddenEffects>
+            </a:ext>
+          </a:extLst>
+        </p:spPr>
+      </p:pic>
+    </p:spTree>
+    <p:extLst>
+      <p:ext uri="{BB962C8B-B14F-4D97-AF65-F5344CB8AC3E}">
+        <p14:creationId xmlns:p14="http://schemas.microsoft.com/office/powerpoint/2010/main" val="370227036"/>
+      </p:ext>
+    </p:extLst>
+  </p:cSld>
+  <p:clrMapOvr>
+    <a:masterClrMapping/>
+  </p:clrMapOvr>
+  <p:timing>
+    <p:tnLst>
+      <p:par>
+        <p:cTn id="1" dur="indefinite" restart="never" nodeType="tmRoot">
+          <p:childTnLst>
+            <p:seq concurrent="1" nextAc="seek">
+              <p:cTn id="2" dur="indefinite" nodeType="mainSeq">
+                <p:childTnLst>
+                  <p:par>
+                    <p:cTn id="3" fill="hold">
+                      <p:stCondLst>
+                        <p:cond delay="indefinite"/>
+                      </p:stCondLst>
+                      <p:childTnLst>
+                        <p:par>
+                          <p:cTn id="4" fill="hold">
+                            <p:stCondLst>
+                              <p:cond delay="0"/>
+                            </p:stCondLst>
+                            <p:childTnLst>
+                              <p:par>
+                                <p:cTn id="5" presetID="1" presetClass="entr" presetSubtype="0" fill="hold" nodeType="clickEffect">
+                                  <p:stCondLst>
+                                    <p:cond delay="0"/>
+                                  </p:stCondLst>
+                                  <p:childTnLst>
+                                    <p:set>
+                                      <p:cBhvr>
+                                        <p:cTn id="6" dur="1" fill="hold">
+                                          <p:stCondLst>
+                                            <p:cond delay="0"/>
+                                          </p:stCondLst>
+                                        </p:cTn>
+                                        <p:tgtEl>
+                                          <p:spTgt spid="3075"/>
+                                        </p:tgtEl>
+                                        <p:attrNameLst>
+                                          <p:attrName>style.visibility</p:attrName>
+                                        </p:attrNameLst>
+                                      </p:cBhvr>
+                                      <p:to>
+                                        <p:strVal val="visible"/>
+                                      </p:to>
+                                    </p:set>
+                                  </p:childTnLst>
+                                </p:cTn>
+                              </p:par>
+                            </p:childTnLst>
+                          </p:cTn>
+                        </p:par>
+                      </p:childTnLst>
+                    </p:cTn>
+                  </p:par>
+                  <p:par>
+                    <p:cTn id="7" fill="hold">
+                      <p:stCondLst>
+                        <p:cond delay="indefinite"/>
+                      </p:stCondLst>
+                      <p:childTnLst>
+                        <p:par>
+                          <p:cTn id="8" fill="hold">
+                            <p:stCondLst>
+                              <p:cond delay="0"/>
+                            </p:stCondLst>
+                            <p:childTnLst>
+                              <p:par>
+                                <p:cTn id="9" presetID="1" presetClass="entr" presetSubtype="0" fill="hold" nodeType="clickEffect">
+                                  <p:stCondLst>
+                                    <p:cond delay="0"/>
+                                  </p:stCondLst>
+                                  <p:childTnLst>
+                                    <p:set>
+                                      <p:cBhvr>
+                                        <p:cTn id="10" dur="1" fill="hold">
+                                          <p:stCondLst>
+                                            <p:cond delay="0"/>
+                                          </p:stCondLst>
+                                        </p:cTn>
+                                        <p:tgtEl>
+                                          <p:spTgt spid="3074"/>
+                                        </p:tgtEl>
+                                        <p:attrNameLst>
+                                          <p:attrName>style.visibility</p:attrName>
+                                        </p:attrNameLst>
+                                      </p:cBhvr>
+                                      <p:to>
+                                        <p:strVal val="visible"/>
+                                      </p:to>
+                                    </p:set>
+                                  </p:childTnLst>
+                                </p:cTn>
+                              </p:par>
+                            </p:childTnLst>
+                          </p:cTn>
+                        </p:par>
+                      </p:childTnLst>
+                    </p:cTn>
+                  </p:par>
+                  <p:par>
+                    <p:cTn id="11" fill="hold">
+                      <p:stCondLst>
+                        <p:cond delay="indefinite"/>
+                      </p:stCondLst>
+                      <p:childTnLst>
+                        <p:par>
+                          <p:cTn id="12" fill="hold">
+                            <p:stCondLst>
+                              <p:cond delay="0"/>
+                            </p:stCondLst>
+                            <p:childTnLst>
+                              <p:par>
+                                <p:cTn id="13" presetID="1" presetClass="entr" presetSubtype="0" fill="hold" nodeType="clickEffect">
+                                  <p:stCondLst>
+                                    <p:cond delay="0"/>
+                                  </p:stCondLst>
+                                  <p:childTnLst>
+                                    <p:set>
+                                      <p:cBhvr>
+                                        <p:cTn id="14" dur="1" fill="hold">
+                                          <p:stCondLst>
+                                            <p:cond delay="0"/>
+                                          </p:stCondLst>
+                                        </p:cTn>
+                                        <p:tgtEl>
+                                          <p:spTgt spid="3076"/>
+                                        </p:tgtEl>
+                                        <p:attrNameLst>
+                                          <p:attrName>style.visibility</p:attrName>
+                                        </p:attrNameLst>
+                                      </p:cBhvr>
+                                      <p:to>
+                                        <p:strVal val="visible"/>
+                                      </p:to>
+                                    </p:set>
+                                  </p:childTnLst>
+                                </p:cTn>
+                              </p:par>
+                            </p:childTnLst>
+                          </p:cTn>
+                        </p:par>
+                      </p:childTnLst>
+                    </p:cTn>
+                  </p:par>
+                </p:childTnLst>
+              </p:cTn>
+              <p:prevCondLst>
+                <p:cond evt="onPrev" delay="0">
+                  <p:tgtEl>
+                    <p:sldTgt/>
+                  </p:tgtEl>
+                </p:cond>
+              </p:prevCondLst>
+              <p:nextCondLst>
+                <p:cond evt="onNext" delay="0">
+                  <p:tgtEl>
+                    <p:sldTgt/>
+                  </p:tgtEl>
+                </p:cond>
+              </p:nextCondLst>
+            </p:seq>
+          </p:childTnLst>
+        </p:cTn>
+      </p:par>
+    </p:tnLst>
+  </p:timing>
+</p:sld>
+</file>
+
+<file path=ppt/slides/slide9.xml><?xml version="1.0" encoding="utf-8"?>
+<p:sld xmlns:a="http://schemas.openxmlformats.org/drawingml/2006/main" xmlns:r="http://schemas.openxmlformats.org/officeDocument/2006/relationships" xmlns:p="http://schemas.openxmlformats.org/presentationml/2006/main">
+  <p:cSld>
+    <p:spTree>
+      <p:nvGrpSpPr>
+        <p:cNvPr id="1" name=""/>
+        <p:cNvGrpSpPr/>
+        <p:nvPr/>
+      </p:nvGrpSpPr>
+      <p:grpSpPr>
+        <a:xfrm>
+          <a:off x="0" y="0"/>
+          <a:ext cx="0" cy="0"/>
+          <a:chOff x="0" y="0"/>
+          <a:chExt cx="0" cy="0"/>
+        </a:xfrm>
+      </p:grpSpPr>
+      <p:sp>
+        <p:nvSpPr>
+          <p:cNvPr id="2" name="Title 1"/>
+          <p:cNvSpPr>
+            <a:spLocks noGrp="1"/>
+          </p:cNvSpPr>
+          <p:nvPr>
+            <p:ph type="title"/>
+          </p:nvPr>
+        </p:nvSpPr>
+        <p:spPr/>
+        <p:txBody>
+          <a:bodyPr/>
+          <a:lstStyle/>
+          <a:p>
+            <a:r>
+              <a:rPr lang="en-US" dirty="0" smtClean="0"/>
+              <a:t>GA applied to PS</a:t>
+            </a:r>
+            <a:endParaRPr lang="en-US" dirty="0"/>
+          </a:p>
+        </p:txBody>
+      </p:sp>
+      <p:sp>
+        <p:nvSpPr>
+          <p:cNvPr id="3" name="Content Placeholder 2"/>
+          <p:cNvSpPr>
+            <a:spLocks noGrp="1"/>
+          </p:cNvSpPr>
+          <p:nvPr>
+            <p:ph sz="quarter" idx="1"/>
+          </p:nvPr>
+        </p:nvSpPr>
+        <p:spPr/>
+        <p:txBody>
+          <a:bodyPr/>
+          <a:lstStyle/>
+          <a:p>
+            <a:endParaRPr lang="en-US" dirty="0"/>
+          </a:p>
+        </p:txBody>
+      </p:sp>
+      <p:pic>
+        <p:nvPicPr>
+          <p:cNvPr id="1026" name="Picture 2"/>
+          <p:cNvPicPr>
+            <a:picLocks noChangeAspect="1" noChangeArrowheads="1"/>
+          </p:cNvPicPr>
+          <p:nvPr/>
+        </p:nvPicPr>
+        <p:blipFill>
+          <a:blip r:embed="rId2">
+            <a:extLst>
+              <a:ext uri="{28A0092B-C50C-407E-A947-70E740481C1C}">
+                <a14:useLocalDpi xmlns:a14="http://schemas.microsoft.com/office/drawing/2010/main" val="0"/>
+              </a:ext>
+            </a:extLst>
+          </a:blip>
+          <a:srcRect/>
+          <a:stretch>
+            <a:fillRect/>
+          </a:stretch>
+        </p:blipFill>
+        <p:spPr bwMode="auto">
+          <a:xfrm>
+            <a:off x="539552" y="2132856"/>
+            <a:ext cx="3888432" cy="4011567"/>
+          </a:xfrm>
+          <a:prstGeom prst="rect">
+            <a:avLst/>
+          </a:prstGeom>
+          <a:noFill/>
+          <a:ln>
+            <a:noFill/>
+          </a:ln>
+          <a:effectLst/>
+          <a:extLst>
+            <a:ext uri="{909E8E84-426E-40DD-AFC4-6F175D3DCCD1}">
+              <a14:hiddenFill xmlns:a14="http://schemas.microsoft.com/office/drawing/2010/main">
+                <a:solidFill>
+                  <a:schemeClr val="accent1"/>
+                </a:solidFill>
+              </a14:hiddenFill>
+            </a:ext>
+            <a:ext uri="{91240B29-F687-4F45-9708-019B960494DF}">
+              <a14:hiddenLine xmlns:a14="http://schemas.microsoft.com/office/drawing/2010/main" w="9525">
+                <a:solidFill>
+                  <a:schemeClr val="tx1"/>
+                </a:solidFill>
+                <a:miter lim="800000"/>
+                <a:headEnd/>
+                <a:tailEnd/>
+              </a14:hiddenLine>
+            </a:ext>
+            <a:ext uri="{AF507438-7753-43E0-B8FC-AC1667EBCBE1}">
+              <a14:hiddenEffects xmlns:a14="http://schemas.microsoft.com/office/drawing/2010/main">
+                <a:effectLst>
+                  <a:outerShdw dist="35921" dir="2700000" algn="ctr" rotWithShape="0">
+                    <a:schemeClr val="bg2"/>
+                  </a:outerShdw>
+                </a:effectLst>
+              </a14:hiddenEffects>
+            </a:ext>
+          </a:extLst>
+        </p:spPr>
+      </p:pic>
+      <p:sp>
+        <p:nvSpPr>
+          <p:cNvPr id="4" name="TextBox 3"/>
+          <p:cNvSpPr txBox="1"/>
+          <p:nvPr/>
+        </p:nvSpPr>
+        <p:spPr>
+          <a:xfrm>
+            <a:off x="4860032" y="2132856"/>
+            <a:ext cx="2592288" cy="369332"/>
+          </a:xfrm>
+          <a:prstGeom prst="rect">
+            <a:avLst/>
+          </a:prstGeom>
+          <a:noFill/>
+          <a:ln>
+            <a:solidFill>
+              <a:schemeClr val="tx1"/>
+            </a:solidFill>
+          </a:ln>
+        </p:spPr>
+        <p:txBody>
+          <a:bodyPr wrap="square" rtlCol="0">
+            <a:spAutoFit/>
+          </a:bodyPr>
+          <a:lstStyle/>
+          <a:p>
+            <a:r>
+              <a:rPr lang="en-US" dirty="0" smtClean="0"/>
+              <a:t>    Optimized by GA</a:t>
+            </a:r>
+            <a:endParaRPr lang="en-US" dirty="0"/>
+          </a:p>
+        </p:txBody>
+      </p:sp>
+      <p:cxnSp>
+        <p:nvCxnSpPr>
+          <p:cNvPr id="6" name="Elbow Connector 5"/>
+          <p:cNvCxnSpPr/>
+          <p:nvPr/>
+        </p:nvCxnSpPr>
+        <p:spPr>
+          <a:xfrm rot="5400000">
+            <a:off x="4321443" y="2608729"/>
+            <a:ext cx="1941274" cy="1728192"/>
+          </a:xfrm>
+          <a:prstGeom prst="bentConnector3">
+            <a:avLst>
+              <a:gd name="adj1" fmla="val 99915"/>
+            </a:avLst>
+          </a:prstGeom>
+          <a:ln>
+            <a:solidFill>
+              <a:schemeClr val="tx1"/>
+            </a:solidFill>
+            <a:tailEnd type="arrow"/>
+          </a:ln>
+        </p:spPr>
+        <p:style>
+          <a:lnRef idx="1">
+            <a:schemeClr val="accent1"/>
+          </a:lnRef>
+          <a:fillRef idx="0">
+            <a:schemeClr val="accent1"/>
+          </a:fillRef>
+          <a:effectRef idx="0">
+            <a:schemeClr val="accent1"/>
+          </a:effectRef>
+          <a:fontRef idx="minor">
+            <a:schemeClr val="tx1"/>
+          </a:fontRef>
+        </p:style>
+      </p:cxnSp>
+      <p:sp>
+        <p:nvSpPr>
+          <p:cNvPr id="12" name="TextBox 11"/>
+          <p:cNvSpPr txBox="1"/>
+          <p:nvPr/>
+        </p:nvSpPr>
+        <p:spPr>
+          <a:xfrm>
+            <a:off x="5524216" y="5808874"/>
+            <a:ext cx="2160240" cy="369332"/>
+          </a:xfrm>
+          <a:prstGeom prst="rect">
+            <a:avLst/>
+          </a:prstGeom>
+          <a:noFill/>
+          <a:ln>
+            <a:solidFill>
+              <a:schemeClr val="tx1"/>
+            </a:solidFill>
+          </a:ln>
+        </p:spPr>
+        <p:txBody>
+          <a:bodyPr wrap="square" rtlCol="0">
+            <a:spAutoFit/>
+          </a:bodyPr>
+          <a:lstStyle/>
+          <a:p>
+            <a:r>
+              <a:rPr lang="en-US" dirty="0" smtClean="0"/>
+              <a:t>  Fitness function</a:t>
+            </a:r>
+            <a:endParaRPr lang="en-US" dirty="0"/>
+          </a:p>
+        </p:txBody>
+      </p:sp>
+      <p:cxnSp>
+        <p:nvCxnSpPr>
+          <p:cNvPr id="14" name="Straight Arrow Connector 13"/>
+          <p:cNvCxnSpPr>
+            <a:endCxn id="12" idx="1"/>
+          </p:cNvCxnSpPr>
+          <p:nvPr/>
+        </p:nvCxnSpPr>
+        <p:spPr>
+          <a:xfrm>
+            <a:off x="4427984" y="5993540"/>
+            <a:ext cx="1096232" cy="0"/>
+          </a:xfrm>
+          <a:prstGeom prst="straightConnector1">
+            <a:avLst/>
+          </a:prstGeom>
+          <a:ln>
+            <a:solidFill>
+              <a:schemeClr val="tx1"/>
+            </a:solidFill>
+            <a:tailEnd type="arrow"/>
+          </a:ln>
+        </p:spPr>
+        <p:style>
+          <a:lnRef idx="1">
+            <a:schemeClr val="accent1"/>
+          </a:lnRef>
+          <a:fillRef idx="0">
+            <a:schemeClr val="accent1"/>
+          </a:fillRef>
+          <a:effectRef idx="0">
+            <a:schemeClr val="accent1"/>
+          </a:effectRef>
+          <a:fontRef idx="minor">
+            <a:schemeClr val="tx1"/>
+          </a:fontRef>
+        </p:style>
+      </p:cxnSp>
+      <p:cxnSp>
+        <p:nvCxnSpPr>
+          <p:cNvPr id="16" name="Straight Arrow Connector 15"/>
+          <p:cNvCxnSpPr>
+            <a:stCxn id="12" idx="0"/>
+          </p:cNvCxnSpPr>
+          <p:nvPr/>
+        </p:nvCxnSpPr>
+        <p:spPr>
+          <a:xfrm flipH="1" flipV="1">
+            <a:off x="6588224" y="2502189"/>
+            <a:ext cx="16112" cy="3306685"/>
+          </a:xfrm>
+          <a:prstGeom prst="straightConnector1">
+            <a:avLst/>
+          </a:prstGeom>
+          <a:ln>
+            <a:solidFill>
+              <a:schemeClr val="tx1"/>
+            </a:solidFill>
+            <a:tailEnd type="arrow"/>
+          </a:ln>
+        </p:spPr>
+        <p:style>
+          <a:lnRef idx="1">
+            <a:schemeClr val="accent1"/>
+          </a:lnRef>
+          <a:fillRef idx="0">
+            <a:schemeClr val="accent1"/>
+          </a:fillRef>
+          <a:effectRef idx="0">
+            <a:schemeClr val="accent1"/>
+          </a:effectRef>
+          <a:fontRef idx="minor">
+            <a:schemeClr val="tx1"/>
+          </a:fontRef>
+        </p:style>
+      </p:cxnSp>
+    </p:spTree>
+    <p:extLst>
+      <p:ext uri="{BB962C8B-B14F-4D97-AF65-F5344CB8AC3E}">
+        <p14:creationId xmlns:p14="http://schemas.microsoft.com/office/powerpoint/2010/main" val="3159218784"/>
+      </p:ext>
+    </p:extLst>
+  </p:cSld>
+  <p:clrMapOvr>
+    <a:masterClrMapping/>
+  </p:clrMapOvr>
+  <p:timing>
+    <p:tnLst>
+      <p:par>
+        <p:cTn id="1" dur="indefinite" restart="never" nodeType="tmRoot"/>
+      </p:par>
+    </p:tnLst>
   </p:timing>
 </p:sld>
 </file>
